--- a/MVI - BANNER.pptx
+++ b/MVI - BANNER.pptx
@@ -4,13 +4,11 @@
   <p:sldMasterIdLst>
     <p:sldMasterId id="2147483660" r:id="rId4"/>
   </p:sldMasterIdLst>
+  <p:notesMasterIdLst>
+    <p:notesMasterId r:id="rId6"/>
+  </p:notesMasterIdLst>
   <p:sldIdLst>
     <p:sldId id="256" r:id="rId5"/>
-    <p:sldId id="258" r:id="rId6"/>
-    <p:sldId id="259" r:id="rId7"/>
-    <p:sldId id="260" r:id="rId8"/>
-    <p:sldId id="261" r:id="rId9"/>
-    <p:sldId id="262" r:id="rId10"/>
   </p:sldIdLst>
   <p:sldSz cx="32399288" cy="43200638"/>
   <p:notesSz cx="6858000" cy="9144000"/>
@@ -117,21 +115,165 @@
 </p:presentation>
 </file>
 
+<file path=ppt/revisionInfo.xml><?xml version="1.0" encoding="utf-8"?>
+<p1510:revInfo xmlns:a="http://schemas.openxmlformats.org/drawingml/2006/main" xmlns:r="http://schemas.openxmlformats.org/officeDocument/2006/relationships" xmlns:p1510="http://schemas.microsoft.com/office/powerpoint/2015/10/main">
+  <p1510:revLst>
+    <p1510:client id="{DA2D70DC-F092-418B-A901-8BC3622B8311}" v="11" dt="2023-06-09T17:00:14.200"/>
+  </p1510:revLst>
+</p1510:revInfo>
+</file>
+
 <file path=ppt/changesInfos/changesInfo1.xml><?xml version="1.0" encoding="utf-8"?>
 <pc:chgInfo xmlns:a="http://schemas.openxmlformats.org/drawingml/2006/main" xmlns:r="http://schemas.openxmlformats.org/officeDocument/2006/relationships" xmlns:ac="http://schemas.microsoft.com/office/drawing/2013/main/command" xmlns:pc="http://schemas.microsoft.com/office/powerpoint/2013/main/command">
   <pc:docChgLst>
     <pc:chgData name="victor fontele" userId="b27d4216bb473f3c" providerId="LiveId" clId="{DA2D70DC-F092-418B-A901-8BC3622B8311}"/>
-    <pc:docChg chg="custSel modSld">
-      <pc:chgData name="victor fontele" userId="b27d4216bb473f3c" providerId="LiveId" clId="{DA2D70DC-F092-418B-A901-8BC3622B8311}" dt="2023-06-08T01:53:52.713" v="0" actId="478"/>
+    <pc:docChg chg="undo custSel delSld modSld">
+      <pc:chgData name="victor fontele" userId="b27d4216bb473f3c" providerId="LiveId" clId="{DA2D70DC-F092-418B-A901-8BC3622B8311}" dt="2023-06-09T17:00:31.760" v="307" actId="14100"/>
       <pc:docMkLst>
         <pc:docMk/>
       </pc:docMkLst>
-      <pc:sldChg chg="delSp mod">
-        <pc:chgData name="victor fontele" userId="b27d4216bb473f3c" providerId="LiveId" clId="{DA2D70DC-F092-418B-A901-8BC3622B8311}" dt="2023-06-08T01:53:52.713" v="0" actId="478"/>
+      <pc:sldChg chg="addSp delSp modSp mod">
+        <pc:chgData name="victor fontele" userId="b27d4216bb473f3c" providerId="LiveId" clId="{DA2D70DC-F092-418B-A901-8BC3622B8311}" dt="2023-06-09T17:00:31.760" v="307" actId="14100"/>
         <pc:sldMkLst>
           <pc:docMk/>
           <pc:sldMk cId="2506518773" sldId="256"/>
         </pc:sldMkLst>
+        <pc:spChg chg="mod">
+          <ac:chgData name="victor fontele" userId="b27d4216bb473f3c" providerId="LiveId" clId="{DA2D70DC-F092-418B-A901-8BC3622B8311}" dt="2023-06-09T14:51:23.607" v="211" actId="947"/>
+          <ac:spMkLst>
+            <pc:docMk/>
+            <pc:sldMk cId="2506518773" sldId="256"/>
+            <ac:spMk id="7" creationId="{FA29C55F-2BF4-05EF-9F4E-8065DF1F96D4}"/>
+          </ac:spMkLst>
+        </pc:spChg>
+        <pc:spChg chg="mod">
+          <ac:chgData name="victor fontele" userId="b27d4216bb473f3c" providerId="LiveId" clId="{DA2D70DC-F092-418B-A901-8BC3622B8311}" dt="2023-06-09T15:12:14.624" v="285" actId="948"/>
+          <ac:spMkLst>
+            <pc:docMk/>
+            <pc:sldMk cId="2506518773" sldId="256"/>
+            <ac:spMk id="9" creationId="{27D90D77-A05A-743D-8F43-C4944BAAB559}"/>
+          </ac:spMkLst>
+        </pc:spChg>
+        <pc:spChg chg="mod">
+          <ac:chgData name="victor fontele" userId="b27d4216bb473f3c" providerId="LiveId" clId="{DA2D70DC-F092-418B-A901-8BC3622B8311}" dt="2023-06-09T15:10:38.804" v="281" actId="1076"/>
+          <ac:spMkLst>
+            <pc:docMk/>
+            <pc:sldMk cId="2506518773" sldId="256"/>
+            <ac:spMk id="23" creationId="{7972D7BC-EE67-509F-91AC-9D983E352477}"/>
+          </ac:spMkLst>
+        </pc:spChg>
+        <pc:spChg chg="mod">
+          <ac:chgData name="victor fontele" userId="b27d4216bb473f3c" providerId="LiveId" clId="{DA2D70DC-F092-418B-A901-8BC3622B8311}" dt="2023-06-09T15:12:39.345" v="286" actId="1076"/>
+          <ac:spMkLst>
+            <pc:docMk/>
+            <pc:sldMk cId="2506518773" sldId="256"/>
+            <ac:spMk id="24" creationId="{9E98B504-F870-B967-8A37-A5FB133EE33F}"/>
+          </ac:spMkLst>
+        </pc:spChg>
+        <pc:spChg chg="mod">
+          <ac:chgData name="victor fontele" userId="b27d4216bb473f3c" providerId="LiveId" clId="{DA2D70DC-F092-418B-A901-8BC3622B8311}" dt="2023-06-09T15:12:46.136" v="287" actId="1076"/>
+          <ac:spMkLst>
+            <pc:docMk/>
+            <pc:sldMk cId="2506518773" sldId="256"/>
+            <ac:spMk id="25" creationId="{68651168-F17C-55BA-8C6A-3A0165BE38E7}"/>
+          </ac:spMkLst>
+        </pc:spChg>
+        <pc:spChg chg="mod">
+          <ac:chgData name="victor fontele" userId="b27d4216bb473f3c" providerId="LiveId" clId="{DA2D70DC-F092-418B-A901-8BC3622B8311}" dt="2023-06-09T15:12:56.003" v="288" actId="1076"/>
+          <ac:spMkLst>
+            <pc:docMk/>
+            <pc:sldMk cId="2506518773" sldId="256"/>
+            <ac:spMk id="26" creationId="{5A3CA4AA-B3B6-BADD-627D-CFBBCE191594}"/>
+          </ac:spMkLst>
+        </pc:spChg>
+        <pc:spChg chg="mod">
+          <ac:chgData name="victor fontele" userId="b27d4216bb473f3c" providerId="LiveId" clId="{DA2D70DC-F092-418B-A901-8BC3622B8311}" dt="2023-06-09T14:41:01.893" v="195" actId="1076"/>
+          <ac:spMkLst>
+            <pc:docMk/>
+            <pc:sldMk cId="2506518773" sldId="256"/>
+            <ac:spMk id="28" creationId="{02385CED-D792-5439-1F48-2CE1BFB9E6B5}"/>
+          </ac:spMkLst>
+        </pc:spChg>
+        <pc:spChg chg="mod">
+          <ac:chgData name="victor fontele" userId="b27d4216bb473f3c" providerId="LiveId" clId="{DA2D70DC-F092-418B-A901-8BC3622B8311}" dt="2023-06-09T14:41:08.112" v="196" actId="1076"/>
+          <ac:spMkLst>
+            <pc:docMk/>
+            <pc:sldMk cId="2506518773" sldId="256"/>
+            <ac:spMk id="29" creationId="{39F76D9B-3A10-E54B-455A-2355F12468FD}"/>
+          </ac:spMkLst>
+        </pc:spChg>
+        <pc:spChg chg="mod">
+          <ac:chgData name="victor fontele" userId="b27d4216bb473f3c" providerId="LiveId" clId="{DA2D70DC-F092-418B-A901-8BC3622B8311}" dt="2023-06-09T14:41:44.353" v="203" actId="20577"/>
+          <ac:spMkLst>
+            <pc:docMk/>
+            <pc:sldMk cId="2506518773" sldId="256"/>
+            <ac:spMk id="34" creationId="{373D1EA8-274F-EFCD-8C2E-5A74C56AF453}"/>
+          </ac:spMkLst>
+        </pc:spChg>
+        <pc:spChg chg="mod">
+          <ac:chgData name="victor fontele" userId="b27d4216bb473f3c" providerId="LiveId" clId="{DA2D70DC-F092-418B-A901-8BC3622B8311}" dt="2023-06-09T15:13:32.174" v="290" actId="1076"/>
+          <ac:spMkLst>
+            <pc:docMk/>
+            <pc:sldMk cId="2506518773" sldId="256"/>
+            <ac:spMk id="36" creationId="{866C4479-C93F-132C-BE33-CA19D11D64FE}"/>
+          </ac:spMkLst>
+        </pc:spChg>
+        <pc:spChg chg="mod">
+          <ac:chgData name="victor fontele" userId="b27d4216bb473f3c" providerId="LiveId" clId="{DA2D70DC-F092-418B-A901-8BC3622B8311}" dt="2023-06-09T15:13:17.100" v="289" actId="1076"/>
+          <ac:spMkLst>
+            <pc:docMk/>
+            <pc:sldMk cId="2506518773" sldId="256"/>
+            <ac:spMk id="38" creationId="{6F2DB088-F94B-237B-01C4-7F806997D1CF}"/>
+          </ac:spMkLst>
+        </pc:spChg>
+        <pc:spChg chg="mod">
+          <ac:chgData name="victor fontele" userId="b27d4216bb473f3c" providerId="LiveId" clId="{DA2D70DC-F092-418B-A901-8BC3622B8311}" dt="2023-06-09T15:04:34.153" v="264" actId="1076"/>
+          <ac:spMkLst>
+            <pc:docMk/>
+            <pc:sldMk cId="2506518773" sldId="256"/>
+            <ac:spMk id="40" creationId="{078C3D14-D5D8-DE82-02EF-992530FC27EA}"/>
+          </ac:spMkLst>
+        </pc:spChg>
+        <pc:spChg chg="mod">
+          <ac:chgData name="victor fontele" userId="b27d4216bb473f3c" providerId="LiveId" clId="{DA2D70DC-F092-418B-A901-8BC3622B8311}" dt="2023-06-09T15:04:01.250" v="263" actId="14100"/>
+          <ac:spMkLst>
+            <pc:docMk/>
+            <pc:sldMk cId="2506518773" sldId="256"/>
+            <ac:spMk id="142" creationId="{7EC7281C-FB4E-7661-BB77-69BF5E221F68}"/>
+          </ac:spMkLst>
+        </pc:spChg>
+        <pc:graphicFrameChg chg="mod">
+          <ac:chgData name="victor fontele" userId="b27d4216bb473f3c" providerId="LiveId" clId="{DA2D70DC-F092-418B-A901-8BC3622B8311}" dt="2023-06-09T14:40:11.125" v="194"/>
+          <ac:graphicFrameMkLst>
+            <pc:docMk/>
+            <pc:sldMk cId="2506518773" sldId="256"/>
+            <ac:graphicFrameMk id="31" creationId="{3B5590C7-5C75-C1D6-B9DD-A537A9FD8670}"/>
+          </ac:graphicFrameMkLst>
+        </pc:graphicFrameChg>
+        <pc:picChg chg="add del mod">
+          <ac:chgData name="victor fontele" userId="b27d4216bb473f3c" providerId="LiveId" clId="{DA2D70DC-F092-418B-A901-8BC3622B8311}" dt="2023-06-09T17:00:12.172" v="301" actId="478"/>
+          <ac:picMkLst>
+            <pc:docMk/>
+            <pc:sldMk cId="2506518773" sldId="256"/>
+            <ac:picMk id="3" creationId="{342E99FF-155D-A5D4-A552-5E9D746AEDCB}"/>
+          </ac:picMkLst>
+        </pc:picChg>
+        <pc:picChg chg="add mod">
+          <ac:chgData name="victor fontele" userId="b27d4216bb473f3c" providerId="LiveId" clId="{DA2D70DC-F092-418B-A901-8BC3622B8311}" dt="2023-06-09T17:00:31.760" v="307" actId="14100"/>
+          <ac:picMkLst>
+            <pc:docMk/>
+            <pc:sldMk cId="2506518773" sldId="256"/>
+            <ac:picMk id="11" creationId="{B3838562-7123-3A51-BD50-054E2709069F}"/>
+          </ac:picMkLst>
+        </pc:picChg>
+        <pc:picChg chg="del mod">
+          <ac:chgData name="victor fontele" userId="b27d4216bb473f3c" providerId="LiveId" clId="{DA2D70DC-F092-418B-A901-8BC3622B8311}" dt="2023-06-09T15:54:50.340" v="293" actId="478"/>
+          <ac:picMkLst>
+            <pc:docMk/>
+            <pc:sldMk cId="2506518773" sldId="256"/>
+            <ac:picMk id="13" creationId="{08249045-3B3A-E001-4582-3B8900D3502F}"/>
+          </ac:picMkLst>
+        </pc:picChg>
         <pc:picChg chg="del">
           <ac:chgData name="victor fontele" userId="b27d4216bb473f3c" providerId="LiveId" clId="{DA2D70DC-F092-418B-A901-8BC3622B8311}" dt="2023-06-08T01:53:52.713" v="0" actId="478"/>
           <ac:picMkLst>
@@ -140,6 +282,65 @@
             <ac:picMk id="33" creationId="{DC81CCC9-3503-9346-26E7-5333730F5200}"/>
           </ac:picMkLst>
         </pc:picChg>
+        <pc:picChg chg="mod">
+          <ac:chgData name="victor fontele" userId="b27d4216bb473f3c" providerId="LiveId" clId="{DA2D70DC-F092-418B-A901-8BC3622B8311}" dt="2023-06-09T15:05:00.992" v="268" actId="14100"/>
+          <ac:picMkLst>
+            <pc:docMk/>
+            <pc:sldMk cId="2506518773" sldId="256"/>
+            <ac:picMk id="42" creationId="{B5BB8730-CDC1-A773-3D80-2E2EA53475EB}"/>
+          </ac:picMkLst>
+        </pc:picChg>
+        <pc:picChg chg="mod">
+          <ac:chgData name="victor fontele" userId="b27d4216bb473f3c" providerId="LiveId" clId="{DA2D70DC-F092-418B-A901-8BC3622B8311}" dt="2023-06-09T15:04:54.740" v="267" actId="14100"/>
+          <ac:picMkLst>
+            <pc:docMk/>
+            <pc:sldMk cId="2506518773" sldId="256"/>
+            <ac:picMk id="44" creationId="{C8D0ED9A-0224-3EB4-C129-6391EA9CFCDD}"/>
+          </ac:picMkLst>
+        </pc:picChg>
+        <pc:picChg chg="mod">
+          <ac:chgData name="victor fontele" userId="b27d4216bb473f3c" providerId="LiveId" clId="{DA2D70DC-F092-418B-A901-8BC3622B8311}" dt="2023-06-09T15:05:20.111" v="269" actId="14100"/>
+          <ac:picMkLst>
+            <pc:docMk/>
+            <pc:sldMk cId="2506518773" sldId="256"/>
+            <ac:picMk id="141" creationId="{C1F6A8BE-B42B-3605-6522-3417D5C6FB85}"/>
+          </ac:picMkLst>
+        </pc:picChg>
+      </pc:sldChg>
+      <pc:sldChg chg="del">
+        <pc:chgData name="victor fontele" userId="b27d4216bb473f3c" providerId="LiveId" clId="{DA2D70DC-F092-418B-A901-8BC3622B8311}" dt="2023-06-09T14:37:39.091" v="184" actId="2696"/>
+        <pc:sldMkLst>
+          <pc:docMk/>
+          <pc:sldMk cId="4286247568" sldId="258"/>
+        </pc:sldMkLst>
+      </pc:sldChg>
+      <pc:sldChg chg="del">
+        <pc:chgData name="victor fontele" userId="b27d4216bb473f3c" providerId="LiveId" clId="{DA2D70DC-F092-418B-A901-8BC3622B8311}" dt="2023-06-09T14:37:42.433" v="185" actId="2696"/>
+        <pc:sldMkLst>
+          <pc:docMk/>
+          <pc:sldMk cId="2793749811" sldId="259"/>
+        </pc:sldMkLst>
+      </pc:sldChg>
+      <pc:sldChg chg="del">
+        <pc:chgData name="victor fontele" userId="b27d4216bb473f3c" providerId="LiveId" clId="{DA2D70DC-F092-418B-A901-8BC3622B8311}" dt="2023-06-09T14:37:46.150" v="186" actId="2696"/>
+        <pc:sldMkLst>
+          <pc:docMk/>
+          <pc:sldMk cId="1960900461" sldId="260"/>
+        </pc:sldMkLst>
+      </pc:sldChg>
+      <pc:sldChg chg="del">
+        <pc:chgData name="victor fontele" userId="b27d4216bb473f3c" providerId="LiveId" clId="{DA2D70DC-F092-418B-A901-8BC3622B8311}" dt="2023-06-09T14:37:52.392" v="187" actId="2696"/>
+        <pc:sldMkLst>
+          <pc:docMk/>
+          <pc:sldMk cId="269960616" sldId="261"/>
+        </pc:sldMkLst>
+      </pc:sldChg>
+      <pc:sldChg chg="del">
+        <pc:chgData name="victor fontele" userId="b27d4216bb473f3c" providerId="LiveId" clId="{DA2D70DC-F092-418B-A901-8BC3622B8311}" dt="2023-06-09T14:37:59.827" v="188" actId="2696"/>
+        <pc:sldMkLst>
+          <pc:docMk/>
+          <pc:sldMk cId="526636310" sldId="262"/>
+        </pc:sldMkLst>
       </pc:sldChg>
     </pc:docChg>
   </pc:docChgLst>
@@ -1048,18 +1249,15 @@
         <a:lstStyle/>
         <a:p>
           <a:r>
-            <a:rPr lang="pt-BR" sz="4100">
+            <a:rPr lang="pt-BR" sz="4100" dirty="0">
               <a:solidFill>
                 <a:schemeClr val="tx1"/>
               </a:solidFill>
+              <a:latin typeface="Arial" panose="020B0604020202020204" pitchFamily="34" charset="0"/>
+              <a:cs typeface="Arial" panose="020B0604020202020204" pitchFamily="34" charset="0"/>
             </a:rPr>
             <a:t>1º</a:t>
           </a:r>
-          <a:endParaRPr lang="pt-BR" sz="4100" dirty="0">
-            <a:solidFill>
-              <a:schemeClr val="tx1"/>
-            </a:solidFill>
-          </a:endParaRPr>
         </a:p>
       </dgm:t>
     </dgm:pt>
@@ -1093,18 +1291,15 @@
         <a:lstStyle/>
         <a:p>
           <a:r>
-            <a:rPr lang="pt-BR" sz="4100">
+            <a:rPr lang="pt-BR" sz="4100" spc="20" baseline="0" dirty="0">
               <a:solidFill>
                 <a:schemeClr val="tx1"/>
               </a:solidFill>
+              <a:latin typeface="Arial" panose="020B0604020202020204" pitchFamily="34" charset="0"/>
+              <a:cs typeface="Arial" panose="020B0604020202020204" pitchFamily="34" charset="0"/>
             </a:rPr>
             <a:t>2º</a:t>
           </a:r>
-          <a:endParaRPr lang="pt-BR" sz="4100" dirty="0">
-            <a:solidFill>
-              <a:schemeClr val="tx1"/>
-            </a:solidFill>
-          </a:endParaRPr>
         </a:p>
       </dgm:t>
     </dgm:pt>
@@ -1138,22 +1333,15 @@
         <a:lstStyle/>
         <a:p>
           <a:r>
-            <a:rPr lang="pt-BR" sz="4100" b="1">
+            <a:rPr lang="pt-BR" sz="4100" b="1" spc="20" baseline="0" dirty="0">
               <a:solidFill>
                 <a:schemeClr val="tx1"/>
               </a:solidFill>
-              <a:latin typeface="Arial"/>
-              <a:cs typeface="Arial"/>
+              <a:latin typeface="Arial" panose="020B0604020202020204" pitchFamily="34" charset="0"/>
+              <a:cs typeface="Arial" panose="020B0604020202020204" pitchFamily="34" charset="0"/>
             </a:rPr>
             <a:t>Análise de dados:</a:t>
           </a:r>
-          <a:endParaRPr lang="pt-BR" sz="4100" b="1" dirty="0">
-            <a:solidFill>
-              <a:schemeClr val="tx1"/>
-            </a:solidFill>
-            <a:latin typeface="Arial"/>
-            <a:cs typeface="Arial"/>
-          </a:endParaRPr>
         </a:p>
       </dgm:t>
     </dgm:pt>
@@ -1187,21 +1375,21 @@
         <a:lstStyle/>
         <a:p>
           <a:r>
-            <a:rPr lang="pt-BR" sz="4100" b="1">
+            <a:rPr lang="pt-BR" sz="4100" b="1" spc="20" baseline="0">
               <a:solidFill>
                 <a:schemeClr val="tx1"/>
               </a:solidFill>
-              <a:latin typeface="Arial"/>
-              <a:cs typeface="Arial"/>
+              <a:latin typeface="Arial" panose="020B0604020202020204" pitchFamily="34" charset="0"/>
+              <a:cs typeface="Arial" panose="020B0604020202020204" pitchFamily="34" charset="0"/>
             </a:rPr>
             <a:t>3º</a:t>
           </a:r>
-          <a:endParaRPr lang="pt-BR" sz="4100" b="1" dirty="0">
+          <a:endParaRPr lang="pt-BR" sz="4100" b="1" spc="20" baseline="0" dirty="0">
             <a:solidFill>
               <a:schemeClr val="tx1"/>
             </a:solidFill>
-            <a:latin typeface="Arial"/>
-            <a:cs typeface="Arial"/>
+            <a:latin typeface="Arial" panose="020B0604020202020204" pitchFamily="34" charset="0"/>
+            <a:cs typeface="Arial" panose="020B0604020202020204" pitchFamily="34" charset="0"/>
           </a:endParaRPr>
         </a:p>
       </dgm:t>
@@ -1236,22 +1424,15 @@
         <a:lstStyle/>
         <a:p>
           <a:r>
-            <a:rPr lang="pt-BR" sz="4100" b="1">
+            <a:rPr lang="pt-BR" sz="4100" b="1" spc="20" baseline="0" dirty="0">
               <a:solidFill>
                 <a:schemeClr val="tx1"/>
               </a:solidFill>
-              <a:latin typeface="Arial"/>
-              <a:cs typeface="Arial"/>
+              <a:latin typeface="Arial" panose="020B0604020202020204" pitchFamily="34" charset="0"/>
+              <a:cs typeface="Arial" panose="020B0604020202020204" pitchFamily="34" charset="0"/>
             </a:rPr>
             <a:t>Interpretação de padrões e tendências:</a:t>
           </a:r>
-          <a:endParaRPr lang="pt-BR" sz="4100" b="1" dirty="0">
-            <a:solidFill>
-              <a:schemeClr val="tx1"/>
-            </a:solidFill>
-            <a:latin typeface="Arial"/>
-            <a:cs typeface="Arial"/>
-          </a:endParaRPr>
         </a:p>
       </dgm:t>
     </dgm:pt>
@@ -1285,22 +1466,15 @@
         <a:lstStyle/>
         <a:p>
           <a:r>
-            <a:rPr lang="pt-BR" sz="4100" b="1">
+            <a:rPr lang="pt-BR" sz="4100" b="1" spc="40" baseline="0" dirty="0">
               <a:solidFill>
                 <a:schemeClr val="tx1"/>
               </a:solidFill>
-              <a:latin typeface="Arial"/>
-              <a:cs typeface="Arial"/>
+              <a:latin typeface="Arial" panose="020B0604020202020204" pitchFamily="34" charset="0"/>
+              <a:cs typeface="Arial" panose="020B0604020202020204" pitchFamily="34" charset="0"/>
             </a:rPr>
             <a:t>Identificação das fontes de dados:</a:t>
           </a:r>
-          <a:endParaRPr lang="pt-BR" sz="4100" b="1" dirty="0">
-            <a:solidFill>
-              <a:schemeClr val="tx1"/>
-            </a:solidFill>
-            <a:latin typeface="Arial"/>
-            <a:cs typeface="Arial"/>
-          </a:endParaRPr>
         </a:p>
       </dgm:t>
     </dgm:pt>
@@ -1334,22 +1508,15 @@
         <a:lstStyle/>
         <a:p>
           <a:r>
-            <a:rPr lang="pt-BR" sz="4100">
+            <a:rPr lang="pt-BR" sz="4100" spc="20" baseline="0" dirty="0">
               <a:solidFill>
                 <a:schemeClr val="tx1"/>
               </a:solidFill>
-              <a:latin typeface="Arial"/>
-              <a:cs typeface="Arial"/>
+              <a:latin typeface="Arial" panose="020B0604020202020204" pitchFamily="34" charset="0"/>
+              <a:cs typeface="Arial" panose="020B0604020202020204" pitchFamily="34" charset="0"/>
             </a:rPr>
             <a:t>Institutos de estatísticas e órgãos governamentais</a:t>
           </a:r>
-          <a:endParaRPr lang="pt-BR" sz="4100" dirty="0">
-            <a:solidFill>
-              <a:schemeClr val="tx1"/>
-            </a:solidFill>
-            <a:latin typeface="Arial"/>
-            <a:cs typeface="Arial"/>
-          </a:endParaRPr>
         </a:p>
       </dgm:t>
     </dgm:pt>
@@ -1383,22 +1550,15 @@
         <a:lstStyle/>
         <a:p>
           <a:r>
-            <a:rPr lang="pt-BR" sz="4100">
+            <a:rPr lang="pt-BR" sz="4100" spc="20" baseline="0" dirty="0">
               <a:solidFill>
                 <a:schemeClr val="tx1"/>
               </a:solidFill>
-              <a:latin typeface="Arial"/>
-              <a:cs typeface="Arial"/>
+              <a:latin typeface="Arial" panose="020B0604020202020204" pitchFamily="34" charset="0"/>
+              <a:cs typeface="Arial" panose="020B0604020202020204" pitchFamily="34" charset="0"/>
             </a:rPr>
             <a:t>Análise temporal: Utilização de gráficos para comparar estatísticas ao longo dos anos.</a:t>
           </a:r>
-          <a:endParaRPr lang="pt-BR" sz="4100" dirty="0">
-            <a:solidFill>
-              <a:schemeClr val="tx1"/>
-            </a:solidFill>
-            <a:latin typeface="Arial"/>
-            <a:cs typeface="Arial"/>
-          </a:endParaRPr>
         </a:p>
       </dgm:t>
     </dgm:pt>
@@ -1432,22 +1592,15 @@
         <a:lstStyle/>
         <a:p>
           <a:r>
-            <a:rPr lang="pt-BR" sz="4100" b="0">
+            <a:rPr lang="pt-BR" sz="4100" b="0" spc="20" baseline="0" dirty="0">
               <a:solidFill>
                 <a:schemeClr val="tx1"/>
               </a:solidFill>
-              <a:latin typeface="Arial"/>
-              <a:cs typeface="Arial"/>
+              <a:latin typeface="Arial" panose="020B0604020202020204" pitchFamily="34" charset="0"/>
+              <a:cs typeface="Arial" panose="020B0604020202020204" pitchFamily="34" charset="0"/>
             </a:rPr>
             <a:t>Análise geográfica: Mapeamento dos estados com maiores índices.</a:t>
           </a:r>
-          <a:endParaRPr lang="pt-BR" sz="4100" b="0" dirty="0">
-            <a:solidFill>
-              <a:schemeClr val="tx1"/>
-            </a:solidFill>
-            <a:latin typeface="Arial"/>
-            <a:cs typeface="Arial"/>
-          </a:endParaRPr>
         </a:p>
       </dgm:t>
     </dgm:pt>
@@ -1481,22 +1634,15 @@
         <a:lstStyle/>
         <a:p>
           <a:r>
-            <a:rPr lang="pt-BR" sz="4100" b="0">
+            <a:rPr lang="pt-BR" sz="4100" b="0" spc="20" baseline="0" dirty="0">
               <a:solidFill>
                 <a:schemeClr val="tx1"/>
               </a:solidFill>
-              <a:latin typeface="Arial"/>
-              <a:cs typeface="Arial"/>
+              <a:latin typeface="Arial" panose="020B0604020202020204" pitchFamily="34" charset="0"/>
+              <a:cs typeface="Arial" panose="020B0604020202020204" pitchFamily="34" charset="0"/>
             </a:rPr>
             <a:t>Após o levantamento de dados, foi possível identificar uma redução nos números de mortes violentas intencionais nos últimos anos.</a:t>
           </a:r>
-          <a:endParaRPr lang="pt-BR" sz="4100" b="0" dirty="0">
-            <a:solidFill>
-              <a:schemeClr val="tx1"/>
-            </a:solidFill>
-            <a:latin typeface="Arial"/>
-            <a:cs typeface="Arial"/>
-          </a:endParaRPr>
         </a:p>
       </dgm:t>
     </dgm:pt>
@@ -1530,22 +1676,15 @@
         <a:lstStyle/>
         <a:p>
           <a:r>
-            <a:rPr lang="pt-BR" sz="4100">
+            <a:rPr lang="pt-BR" sz="4100" spc="20" baseline="0" dirty="0">
               <a:solidFill>
                 <a:schemeClr val="tx1"/>
               </a:solidFill>
-              <a:latin typeface="Arial"/>
-              <a:cs typeface="Arial"/>
+              <a:latin typeface="Arial" panose="020B0604020202020204" pitchFamily="34" charset="0"/>
+              <a:cs typeface="Arial" panose="020B0604020202020204" pitchFamily="34" charset="0"/>
             </a:rPr>
             <a:t>Polícia e órgãos de segurança publica</a:t>
           </a:r>
-          <a:endParaRPr lang="pt-BR" sz="4100" dirty="0">
-            <a:solidFill>
-              <a:schemeClr val="tx1"/>
-            </a:solidFill>
-            <a:latin typeface="Arial"/>
-            <a:cs typeface="Arial"/>
-          </a:endParaRPr>
         </a:p>
       </dgm:t>
     </dgm:pt>
@@ -1595,7 +1734,7 @@
       <dgm:spPr/>
     </dgm:pt>
     <dgm:pt modelId="{D8C2AEE3-B298-415B-B625-F1811DFEEE52}" type="pres">
-      <dgm:prSet presAssocID="{CDC5BEC6-B956-47A8-AEF9-65A5D3A8B200}" presName="descendantText" presStyleLbl="alignAcc1" presStyleIdx="0" presStyleCnt="3" custLinFactNeighborX="1490" custLinFactNeighborY="22462">
+      <dgm:prSet presAssocID="{CDC5BEC6-B956-47A8-AEF9-65A5D3A8B200}" presName="descendantText" presStyleLbl="alignAcc1" presStyleIdx="0" presStyleCnt="3" custLinFactNeighborX="40" custLinFactNeighborY="9463">
         <dgm:presLayoutVars>
           <dgm:bulletEnabled val="1"/>
         </dgm:presLayoutVars>
@@ -1620,7 +1759,7 @@
       <dgm:spPr/>
     </dgm:pt>
     <dgm:pt modelId="{1BE437DC-568F-494A-9309-73C46D3D945C}" type="pres">
-      <dgm:prSet presAssocID="{D9DFD399-E709-44BE-86E9-D91CBCA1CA2B}" presName="descendantText" presStyleLbl="alignAcc1" presStyleIdx="1" presStyleCnt="3" custAng="0" custScaleY="142266" custLinFactNeighborX="1353" custLinFactNeighborY="22811">
+      <dgm:prSet presAssocID="{D9DFD399-E709-44BE-86E9-D91CBCA1CA2B}" presName="descendantText" presStyleLbl="alignAcc1" presStyleIdx="1" presStyleCnt="3" custAng="0" custScaleY="142266" custLinFactNeighborX="626" custLinFactNeighborY="12500">
         <dgm:presLayoutVars>
           <dgm:bulletEnabled val="1"/>
         </dgm:presLayoutVars>
@@ -1693,7 +1832,7 @@
   <dgm:whole/>
   <dgm:extLst>
     <a:ext uri="http://schemas.microsoft.com/office/drawing/2008/diagram">
-      <dsp:dataModelExt xmlns:dsp="http://schemas.microsoft.com/office/drawing/2008/diagram" relId="rId8" minVer="http://schemas.openxmlformats.org/drawingml/2006/diagram"/>
+      <dsp:dataModelExt xmlns:dsp="http://schemas.microsoft.com/office/drawing/2008/diagram" relId="rId9" minVer="http://schemas.openxmlformats.org/drawingml/2006/diagram"/>
     </a:ext>
   </dgm:extLst>
 </dgm:dataModel>
@@ -1777,18 +1916,15 @@
             <a:buNone/>
           </a:pPr>
           <a:r>
-            <a:rPr lang="pt-BR" sz="4100" kern="1200">
+            <a:rPr lang="pt-BR" sz="4100" kern="1200" dirty="0">
               <a:solidFill>
                 <a:schemeClr val="tx1"/>
               </a:solidFill>
+              <a:latin typeface="Arial" panose="020B0604020202020204" pitchFamily="34" charset="0"/>
+              <a:cs typeface="Arial" panose="020B0604020202020204" pitchFamily="34" charset="0"/>
             </a:rPr>
             <a:t>1º</a:t>
           </a:r>
-          <a:endParaRPr lang="pt-BR" sz="4100" kern="1200" dirty="0">
-            <a:solidFill>
-              <a:schemeClr val="tx1"/>
-            </a:solidFill>
-          </a:endParaRPr>
         </a:p>
       </dsp:txBody>
       <dsp:txXfrm rot="-5400000">
@@ -1803,7 +1939,7 @@
       </dsp:nvSpPr>
       <dsp:spPr>
         <a:xfrm rot="5400000">
-          <a:off x="7347294" y="-4726370"/>
+          <a:off x="7347294" y="-4982134"/>
           <a:ext cx="1967562" cy="12424325"/>
         </a:xfrm>
         <a:prstGeom prst="round2SameRect">
@@ -1864,22 +2000,15 @@
             <a:buChar char="•"/>
           </a:pPr>
           <a:r>
-            <a:rPr lang="pt-BR" sz="4100" b="1" kern="1200">
+            <a:rPr lang="pt-BR" sz="4100" b="1" kern="1200" spc="40" baseline="0" dirty="0">
               <a:solidFill>
                 <a:schemeClr val="tx1"/>
               </a:solidFill>
-              <a:latin typeface="Arial"/>
-              <a:cs typeface="Arial"/>
+              <a:latin typeface="Arial" panose="020B0604020202020204" pitchFamily="34" charset="0"/>
+              <a:cs typeface="Arial" panose="020B0604020202020204" pitchFamily="34" charset="0"/>
             </a:rPr>
             <a:t>Identificação das fontes de dados:</a:t>
           </a:r>
-          <a:endParaRPr lang="pt-BR" sz="4100" b="1" kern="1200" dirty="0">
-            <a:solidFill>
-              <a:schemeClr val="tx1"/>
-            </a:solidFill>
-            <a:latin typeface="Arial"/>
-            <a:cs typeface="Arial"/>
-          </a:endParaRPr>
         </a:p>
         <a:p>
           <a:pPr marL="285750" lvl="1" indent="-285750" algn="l" defTabSz="1822450">
@@ -1895,22 +2024,15 @@
             <a:buChar char="•"/>
           </a:pPr>
           <a:r>
-            <a:rPr lang="pt-BR" sz="4100" kern="1200">
+            <a:rPr lang="pt-BR" sz="4100" kern="1200" spc="20" baseline="0" dirty="0">
               <a:solidFill>
                 <a:schemeClr val="tx1"/>
               </a:solidFill>
-              <a:latin typeface="Arial"/>
-              <a:cs typeface="Arial"/>
+              <a:latin typeface="Arial" panose="020B0604020202020204" pitchFamily="34" charset="0"/>
+              <a:cs typeface="Arial" panose="020B0604020202020204" pitchFamily="34" charset="0"/>
             </a:rPr>
             <a:t>Institutos de estatísticas e órgãos governamentais</a:t>
           </a:r>
-          <a:endParaRPr lang="pt-BR" sz="4100" kern="1200" dirty="0">
-            <a:solidFill>
-              <a:schemeClr val="tx1"/>
-            </a:solidFill>
-            <a:latin typeface="Arial"/>
-            <a:cs typeface="Arial"/>
-          </a:endParaRPr>
         </a:p>
         <a:p>
           <a:pPr marL="285750" lvl="1" indent="-285750" algn="l" defTabSz="1822450">
@@ -1926,26 +2048,19 @@
             <a:buChar char="•"/>
           </a:pPr>
           <a:r>
-            <a:rPr lang="pt-BR" sz="4100" kern="1200">
+            <a:rPr lang="pt-BR" sz="4100" kern="1200" spc="20" baseline="0" dirty="0">
               <a:solidFill>
                 <a:schemeClr val="tx1"/>
               </a:solidFill>
-              <a:latin typeface="Arial"/>
-              <a:cs typeface="Arial"/>
+              <a:latin typeface="Arial" panose="020B0604020202020204" pitchFamily="34" charset="0"/>
+              <a:cs typeface="Arial" panose="020B0604020202020204" pitchFamily="34" charset="0"/>
             </a:rPr>
             <a:t>Polícia e órgãos de segurança publica</a:t>
           </a:r>
-          <a:endParaRPr lang="pt-BR" sz="4100" kern="1200" dirty="0">
-            <a:solidFill>
-              <a:schemeClr val="tx1"/>
-            </a:solidFill>
-            <a:latin typeface="Arial"/>
-            <a:cs typeface="Arial"/>
-          </a:endParaRPr>
         </a:p>
       </dsp:txBody>
       <dsp:txXfrm rot="-5400000">
-        <a:off x="2118913" y="598059"/>
+        <a:off x="2118913" y="342295"/>
         <a:ext cx="12328277" cy="1775466"/>
       </dsp:txXfrm>
     </dsp:sp>
@@ -2019,18 +2134,15 @@
             <a:buNone/>
           </a:pPr>
           <a:r>
-            <a:rPr lang="pt-BR" sz="4100" kern="1200">
+            <a:rPr lang="pt-BR" sz="4100" kern="1200" spc="20" baseline="0" dirty="0">
               <a:solidFill>
                 <a:schemeClr val="tx1"/>
               </a:solidFill>
+              <a:latin typeface="Arial" panose="020B0604020202020204" pitchFamily="34" charset="0"/>
+              <a:cs typeface="Arial" panose="020B0604020202020204" pitchFamily="34" charset="0"/>
             </a:rPr>
             <a:t>2º</a:t>
           </a:r>
-          <a:endParaRPr lang="pt-BR" sz="4100" kern="1200" dirty="0">
-            <a:solidFill>
-              <a:schemeClr val="tx1"/>
-            </a:solidFill>
-          </a:endParaRPr>
         </a:p>
       </dsp:txBody>
       <dsp:txXfrm rot="-5400000">
@@ -2045,7 +2157,7 @@
       </dsp:nvSpPr>
       <dsp:spPr>
         <a:xfrm rot="5400000">
-          <a:off x="6931489" y="-1439473"/>
+          <a:off x="6931489" y="-1642348"/>
           <a:ext cx="2799172" cy="12424325"/>
         </a:xfrm>
         <a:prstGeom prst="round2SameRect">
@@ -2106,22 +2218,15 @@
             <a:buChar char="•"/>
           </a:pPr>
           <a:r>
-            <a:rPr lang="pt-BR" sz="4100" b="1" kern="1200">
+            <a:rPr lang="pt-BR" sz="4100" b="1" kern="1200" spc="20" baseline="0" dirty="0">
               <a:solidFill>
                 <a:schemeClr val="tx1"/>
               </a:solidFill>
-              <a:latin typeface="Arial"/>
-              <a:cs typeface="Arial"/>
+              <a:latin typeface="Arial" panose="020B0604020202020204" pitchFamily="34" charset="0"/>
+              <a:cs typeface="Arial" panose="020B0604020202020204" pitchFamily="34" charset="0"/>
             </a:rPr>
             <a:t>Análise de dados:</a:t>
           </a:r>
-          <a:endParaRPr lang="pt-BR" sz="4100" b="1" kern="1200" dirty="0">
-            <a:solidFill>
-              <a:schemeClr val="tx1"/>
-            </a:solidFill>
-            <a:latin typeface="Arial"/>
-            <a:cs typeface="Arial"/>
-          </a:endParaRPr>
         </a:p>
         <a:p>
           <a:pPr marL="285750" lvl="1" indent="-285750" algn="l" defTabSz="1822450">
@@ -2137,22 +2242,15 @@
             <a:buChar char="•"/>
           </a:pPr>
           <a:r>
-            <a:rPr lang="pt-BR" sz="4100" kern="1200">
+            <a:rPr lang="pt-BR" sz="4100" kern="1200" spc="20" baseline="0" dirty="0">
               <a:solidFill>
                 <a:schemeClr val="tx1"/>
               </a:solidFill>
-              <a:latin typeface="Arial"/>
-              <a:cs typeface="Arial"/>
+              <a:latin typeface="Arial" panose="020B0604020202020204" pitchFamily="34" charset="0"/>
+              <a:cs typeface="Arial" panose="020B0604020202020204" pitchFamily="34" charset="0"/>
             </a:rPr>
             <a:t>Análise temporal: Utilização de gráficos para comparar estatísticas ao longo dos anos.</a:t>
           </a:r>
-          <a:endParaRPr lang="pt-BR" sz="4100" kern="1200" dirty="0">
-            <a:solidFill>
-              <a:schemeClr val="tx1"/>
-            </a:solidFill>
-            <a:latin typeface="Arial"/>
-            <a:cs typeface="Arial"/>
-          </a:endParaRPr>
         </a:p>
         <a:p>
           <a:pPr marL="285750" lvl="1" indent="-285750" algn="l" defTabSz="1822450">
@@ -2168,26 +2266,19 @@
             <a:buChar char="•"/>
           </a:pPr>
           <a:r>
-            <a:rPr lang="pt-BR" sz="4100" b="0" kern="1200">
+            <a:rPr lang="pt-BR" sz="4100" b="0" kern="1200" spc="20" baseline="0" dirty="0">
               <a:solidFill>
                 <a:schemeClr val="tx1"/>
               </a:solidFill>
-              <a:latin typeface="Arial"/>
-              <a:cs typeface="Arial"/>
+              <a:latin typeface="Arial" panose="020B0604020202020204" pitchFamily="34" charset="0"/>
+              <a:cs typeface="Arial" panose="020B0604020202020204" pitchFamily="34" charset="0"/>
             </a:rPr>
             <a:t>Análise geográfica: Mapeamento dos estados com maiores índices.</a:t>
           </a:r>
-          <a:endParaRPr lang="pt-BR" sz="4100" b="0" kern="1200" dirty="0">
-            <a:solidFill>
-              <a:schemeClr val="tx1"/>
-            </a:solidFill>
-            <a:latin typeface="Arial"/>
-            <a:cs typeface="Arial"/>
-          </a:endParaRPr>
         </a:p>
       </dsp:txBody>
       <dsp:txXfrm rot="-5400000">
-        <a:off x="2118913" y="3509747"/>
+        <a:off x="2118913" y="3306872"/>
         <a:ext cx="12287681" cy="2525884"/>
       </dsp:txXfrm>
     </dsp:sp>
@@ -2261,21 +2352,21 @@
             <a:buNone/>
           </a:pPr>
           <a:r>
-            <a:rPr lang="pt-BR" sz="4100" b="1" kern="1200">
+            <a:rPr lang="pt-BR" sz="4100" b="1" kern="1200" spc="20" baseline="0">
               <a:solidFill>
                 <a:schemeClr val="tx1"/>
               </a:solidFill>
-              <a:latin typeface="Arial"/>
-              <a:cs typeface="Arial"/>
+              <a:latin typeface="Arial" panose="020B0604020202020204" pitchFamily="34" charset="0"/>
+              <a:cs typeface="Arial" panose="020B0604020202020204" pitchFamily="34" charset="0"/>
             </a:rPr>
             <a:t>3º</a:t>
           </a:r>
-          <a:endParaRPr lang="pt-BR" sz="4100" b="1" kern="1200" dirty="0">
+          <a:endParaRPr lang="pt-BR" sz="4100" b="1" kern="1200" spc="20" baseline="0" dirty="0">
             <a:solidFill>
               <a:schemeClr val="tx1"/>
             </a:solidFill>
-            <a:latin typeface="Arial"/>
-            <a:cs typeface="Arial"/>
+            <a:latin typeface="Arial" panose="020B0604020202020204" pitchFamily="34" charset="0"/>
+            <a:cs typeface="Arial" panose="020B0604020202020204" pitchFamily="34" charset="0"/>
           </a:endParaRPr>
         </a:p>
       </dsp:txBody>
@@ -2352,22 +2443,15 @@
             <a:buChar char="•"/>
           </a:pPr>
           <a:r>
-            <a:rPr lang="pt-BR" sz="4100" b="1" kern="1200">
+            <a:rPr lang="pt-BR" sz="4100" b="1" kern="1200" spc="20" baseline="0" dirty="0">
               <a:solidFill>
                 <a:schemeClr val="tx1"/>
               </a:solidFill>
-              <a:latin typeface="Arial"/>
-              <a:cs typeface="Arial"/>
+              <a:latin typeface="Arial" panose="020B0604020202020204" pitchFamily="34" charset="0"/>
+              <a:cs typeface="Arial" panose="020B0604020202020204" pitchFamily="34" charset="0"/>
             </a:rPr>
             <a:t>Interpretação de padrões e tendências:</a:t>
           </a:r>
-          <a:endParaRPr lang="pt-BR" sz="4100" b="1" kern="1200" dirty="0">
-            <a:solidFill>
-              <a:schemeClr val="tx1"/>
-            </a:solidFill>
-            <a:latin typeface="Arial"/>
-            <a:cs typeface="Arial"/>
-          </a:endParaRPr>
         </a:p>
         <a:p>
           <a:pPr marL="285750" lvl="1" indent="-285750" algn="l" defTabSz="1822450">
@@ -2383,22 +2467,15 @@
             <a:buChar char="•"/>
           </a:pPr>
           <a:r>
-            <a:rPr lang="pt-BR" sz="4100" b="0" kern="1200">
+            <a:rPr lang="pt-BR" sz="4100" b="0" kern="1200" spc="20" baseline="0" dirty="0">
               <a:solidFill>
                 <a:schemeClr val="tx1"/>
               </a:solidFill>
-              <a:latin typeface="Arial"/>
-              <a:cs typeface="Arial"/>
+              <a:latin typeface="Arial" panose="020B0604020202020204" pitchFamily="34" charset="0"/>
+              <a:cs typeface="Arial" panose="020B0604020202020204" pitchFamily="34" charset="0"/>
             </a:rPr>
             <a:t>Após o levantamento de dados, foi possível identificar uma redução nos números de mortes violentas intencionais nos últimos anos.</a:t>
           </a:r>
-          <a:endParaRPr lang="pt-BR" sz="4100" b="0" kern="1200" dirty="0">
-            <a:solidFill>
-              <a:schemeClr val="tx1"/>
-            </a:solidFill>
-            <a:latin typeface="Arial"/>
-            <a:cs typeface="Arial"/>
-          </a:endParaRPr>
         </a:p>
       </dsp:txBody>
       <dsp:txXfrm rot="-5400000">
@@ -3700,6 +3777,439 @@
 </dgm:styleDef>
 </file>
 
+<file path=ppt/notesMasters/notesMaster1.xml><?xml version="1.0" encoding="utf-8"?>
+<p:notesMaster xmlns:a="http://schemas.openxmlformats.org/drawingml/2006/main" xmlns:r="http://schemas.openxmlformats.org/officeDocument/2006/relationships" xmlns:p="http://schemas.openxmlformats.org/presentationml/2006/main">
+  <p:cSld>
+    <p:bg>
+      <p:bgRef idx="1001">
+        <a:schemeClr val="bg1"/>
+      </p:bgRef>
+    </p:bg>
+    <p:spTree>
+      <p:nvGrpSpPr>
+        <p:cNvPr id="1" name=""/>
+        <p:cNvGrpSpPr/>
+        <p:nvPr/>
+      </p:nvGrpSpPr>
+      <p:grpSpPr>
+        <a:xfrm>
+          <a:off x="0" y="0"/>
+          <a:ext cx="0" cy="0"/>
+          <a:chOff x="0" y="0"/>
+          <a:chExt cx="0" cy="0"/>
+        </a:xfrm>
+      </p:grpSpPr>
+      <p:sp>
+        <p:nvSpPr>
+          <p:cNvPr id="2" name="Espaço Reservado para Cabeçalho 1"/>
+          <p:cNvSpPr>
+            <a:spLocks noGrp="1"/>
+          </p:cNvSpPr>
+          <p:nvPr>
+            <p:ph type="hdr" sz="quarter"/>
+          </p:nvPr>
+        </p:nvSpPr>
+        <p:spPr>
+          <a:xfrm>
+            <a:off x="0" y="0"/>
+            <a:ext cx="2971800" cy="458788"/>
+          </a:xfrm>
+          <a:prstGeom prst="rect">
+            <a:avLst/>
+          </a:prstGeom>
+        </p:spPr>
+        <p:txBody>
+          <a:bodyPr vert="horz" lIns="91440" tIns="45720" rIns="91440" bIns="45720" rtlCol="0"/>
+          <a:lstStyle>
+            <a:lvl1pPr algn="l">
+              <a:defRPr sz="1200"/>
+            </a:lvl1pPr>
+          </a:lstStyle>
+          <a:p>
+            <a:endParaRPr lang="pt-BR"/>
+          </a:p>
+        </p:txBody>
+      </p:sp>
+      <p:sp>
+        <p:nvSpPr>
+          <p:cNvPr id="3" name="Espaço Reservado para Data 2"/>
+          <p:cNvSpPr>
+            <a:spLocks noGrp="1"/>
+          </p:cNvSpPr>
+          <p:nvPr>
+            <p:ph type="dt" idx="1"/>
+          </p:nvPr>
+        </p:nvSpPr>
+        <p:spPr>
+          <a:xfrm>
+            <a:off x="3884613" y="0"/>
+            <a:ext cx="2971800" cy="458788"/>
+          </a:xfrm>
+          <a:prstGeom prst="rect">
+            <a:avLst/>
+          </a:prstGeom>
+        </p:spPr>
+        <p:txBody>
+          <a:bodyPr vert="horz" lIns="91440" tIns="45720" rIns="91440" bIns="45720" rtlCol="0"/>
+          <a:lstStyle>
+            <a:lvl1pPr algn="r">
+              <a:defRPr sz="1200"/>
+            </a:lvl1pPr>
+          </a:lstStyle>
+          <a:p>
+            <a:fld id="{850E61E6-F28B-431D-AB66-35A76DA72309}" type="datetimeFigureOut">
+              <a:rPr lang="pt-BR" smtClean="0"/>
+              <a:t>09/06/2023</a:t>
+            </a:fld>
+            <a:endParaRPr lang="pt-BR"/>
+          </a:p>
+        </p:txBody>
+      </p:sp>
+      <p:sp>
+        <p:nvSpPr>
+          <p:cNvPr id="4" name="Espaço Reservado para Imagem de Slide 3"/>
+          <p:cNvSpPr>
+            <a:spLocks noGrp="1" noRot="1" noChangeAspect="1"/>
+          </p:cNvSpPr>
+          <p:nvPr>
+            <p:ph type="sldImg" idx="2"/>
+          </p:nvPr>
+        </p:nvSpPr>
+        <p:spPr>
+          <a:xfrm>
+            <a:off x="2271713" y="1143000"/>
+            <a:ext cx="2314575" cy="3086100"/>
+          </a:xfrm>
+          <a:prstGeom prst="rect">
+            <a:avLst/>
+          </a:prstGeom>
+          <a:noFill/>
+          <a:ln w="12700">
+            <a:solidFill>
+              <a:prstClr val="black"/>
+            </a:solidFill>
+          </a:ln>
+        </p:spPr>
+        <p:txBody>
+          <a:bodyPr vert="horz" lIns="91440" tIns="45720" rIns="91440" bIns="45720" rtlCol="0" anchor="ctr"/>
+          <a:lstStyle/>
+          <a:p>
+            <a:endParaRPr lang="pt-BR"/>
+          </a:p>
+        </p:txBody>
+      </p:sp>
+      <p:sp>
+        <p:nvSpPr>
+          <p:cNvPr id="5" name="Espaço Reservado para Anotações 4"/>
+          <p:cNvSpPr>
+            <a:spLocks noGrp="1"/>
+          </p:cNvSpPr>
+          <p:nvPr>
+            <p:ph type="body" sz="quarter" idx="3"/>
+          </p:nvPr>
+        </p:nvSpPr>
+        <p:spPr>
+          <a:xfrm>
+            <a:off x="685800" y="4400550"/>
+            <a:ext cx="5486400" cy="3600450"/>
+          </a:xfrm>
+          <a:prstGeom prst="rect">
+            <a:avLst/>
+          </a:prstGeom>
+        </p:spPr>
+        <p:txBody>
+          <a:bodyPr vert="horz" lIns="91440" tIns="45720" rIns="91440" bIns="45720" rtlCol="0"/>
+          <a:lstStyle/>
+          <a:p>
+            <a:pPr lvl="0"/>
+            <a:r>
+              <a:rPr lang="pt-BR"/>
+              <a:t>Clique para editar os estilos de texto Mestres</a:t>
+            </a:r>
+          </a:p>
+          <a:p>
+            <a:pPr lvl="1"/>
+            <a:r>
+              <a:rPr lang="pt-BR"/>
+              <a:t>Segundo nível</a:t>
+            </a:r>
+          </a:p>
+          <a:p>
+            <a:pPr lvl="2"/>
+            <a:r>
+              <a:rPr lang="pt-BR"/>
+              <a:t>Terceiro nível</a:t>
+            </a:r>
+          </a:p>
+          <a:p>
+            <a:pPr lvl="3"/>
+            <a:r>
+              <a:rPr lang="pt-BR"/>
+              <a:t>Quarto nível</a:t>
+            </a:r>
+          </a:p>
+          <a:p>
+            <a:pPr lvl="4"/>
+            <a:r>
+              <a:rPr lang="pt-BR"/>
+              <a:t>Quinto nível</a:t>
+            </a:r>
+          </a:p>
+        </p:txBody>
+      </p:sp>
+      <p:sp>
+        <p:nvSpPr>
+          <p:cNvPr id="6" name="Espaço Reservado para Rodapé 5"/>
+          <p:cNvSpPr>
+            <a:spLocks noGrp="1"/>
+          </p:cNvSpPr>
+          <p:nvPr>
+            <p:ph type="ftr" sz="quarter" idx="4"/>
+          </p:nvPr>
+        </p:nvSpPr>
+        <p:spPr>
+          <a:xfrm>
+            <a:off x="0" y="8685213"/>
+            <a:ext cx="2971800" cy="458787"/>
+          </a:xfrm>
+          <a:prstGeom prst="rect">
+            <a:avLst/>
+          </a:prstGeom>
+        </p:spPr>
+        <p:txBody>
+          <a:bodyPr vert="horz" lIns="91440" tIns="45720" rIns="91440" bIns="45720" rtlCol="0" anchor="b"/>
+          <a:lstStyle>
+            <a:lvl1pPr algn="l">
+              <a:defRPr sz="1200"/>
+            </a:lvl1pPr>
+          </a:lstStyle>
+          <a:p>
+            <a:endParaRPr lang="pt-BR"/>
+          </a:p>
+        </p:txBody>
+      </p:sp>
+      <p:sp>
+        <p:nvSpPr>
+          <p:cNvPr id="7" name="Espaço Reservado para Número de Slide 6"/>
+          <p:cNvSpPr>
+            <a:spLocks noGrp="1"/>
+          </p:cNvSpPr>
+          <p:nvPr>
+            <p:ph type="sldNum" sz="quarter" idx="5"/>
+          </p:nvPr>
+        </p:nvSpPr>
+        <p:spPr>
+          <a:xfrm>
+            <a:off x="3884613" y="8685213"/>
+            <a:ext cx="2971800" cy="458787"/>
+          </a:xfrm>
+          <a:prstGeom prst="rect">
+            <a:avLst/>
+          </a:prstGeom>
+        </p:spPr>
+        <p:txBody>
+          <a:bodyPr vert="horz" lIns="91440" tIns="45720" rIns="91440" bIns="45720" rtlCol="0" anchor="b"/>
+          <a:lstStyle>
+            <a:lvl1pPr algn="r">
+              <a:defRPr sz="1200"/>
+            </a:lvl1pPr>
+          </a:lstStyle>
+          <a:p>
+            <a:fld id="{E6B62123-A942-4DB7-A78A-3DC7749CB565}" type="slidenum">
+              <a:rPr lang="pt-BR" smtClean="0"/>
+              <a:t>‹nº›</a:t>
+            </a:fld>
+            <a:endParaRPr lang="pt-BR"/>
+          </a:p>
+        </p:txBody>
+      </p:sp>
+    </p:spTree>
+    <p:extLst>
+      <p:ext uri="{BB962C8B-B14F-4D97-AF65-F5344CB8AC3E}">
+        <p14:creationId xmlns:p14="http://schemas.microsoft.com/office/powerpoint/2010/main" val="819613787"/>
+      </p:ext>
+    </p:extLst>
+  </p:cSld>
+  <p:clrMap bg1="lt1" tx1="dk1" bg2="lt2" tx2="dk2" accent1="accent1" accent2="accent2" accent3="accent3" accent4="accent4" accent5="accent5" accent6="accent6" hlink="hlink" folHlink="folHlink"/>
+  <p:notesStyle>
+    <a:lvl1pPr marL="0" algn="l" defTabSz="914400" rtl="0" eaLnBrk="1" latinLnBrk="0" hangingPunct="1">
+      <a:defRPr sz="1200" kern="1200">
+        <a:solidFill>
+          <a:schemeClr val="tx1"/>
+        </a:solidFill>
+        <a:latin typeface="+mn-lt"/>
+        <a:ea typeface="+mn-ea"/>
+        <a:cs typeface="+mn-cs"/>
+      </a:defRPr>
+    </a:lvl1pPr>
+    <a:lvl2pPr marL="457200" algn="l" defTabSz="914400" rtl="0" eaLnBrk="1" latinLnBrk="0" hangingPunct="1">
+      <a:defRPr sz="1200" kern="1200">
+        <a:solidFill>
+          <a:schemeClr val="tx1"/>
+        </a:solidFill>
+        <a:latin typeface="+mn-lt"/>
+        <a:ea typeface="+mn-ea"/>
+        <a:cs typeface="+mn-cs"/>
+      </a:defRPr>
+    </a:lvl2pPr>
+    <a:lvl3pPr marL="914400" algn="l" defTabSz="914400" rtl="0" eaLnBrk="1" latinLnBrk="0" hangingPunct="1">
+      <a:defRPr sz="1200" kern="1200">
+        <a:solidFill>
+          <a:schemeClr val="tx1"/>
+        </a:solidFill>
+        <a:latin typeface="+mn-lt"/>
+        <a:ea typeface="+mn-ea"/>
+        <a:cs typeface="+mn-cs"/>
+      </a:defRPr>
+    </a:lvl3pPr>
+    <a:lvl4pPr marL="1371600" algn="l" defTabSz="914400" rtl="0" eaLnBrk="1" latinLnBrk="0" hangingPunct="1">
+      <a:defRPr sz="1200" kern="1200">
+        <a:solidFill>
+          <a:schemeClr val="tx1"/>
+        </a:solidFill>
+        <a:latin typeface="+mn-lt"/>
+        <a:ea typeface="+mn-ea"/>
+        <a:cs typeface="+mn-cs"/>
+      </a:defRPr>
+    </a:lvl4pPr>
+    <a:lvl5pPr marL="1828800" algn="l" defTabSz="914400" rtl="0" eaLnBrk="1" latinLnBrk="0" hangingPunct="1">
+      <a:defRPr sz="1200" kern="1200">
+        <a:solidFill>
+          <a:schemeClr val="tx1"/>
+        </a:solidFill>
+        <a:latin typeface="+mn-lt"/>
+        <a:ea typeface="+mn-ea"/>
+        <a:cs typeface="+mn-cs"/>
+      </a:defRPr>
+    </a:lvl5pPr>
+    <a:lvl6pPr marL="2286000" algn="l" defTabSz="914400" rtl="0" eaLnBrk="1" latinLnBrk="0" hangingPunct="1">
+      <a:defRPr sz="1200" kern="1200">
+        <a:solidFill>
+          <a:schemeClr val="tx1"/>
+        </a:solidFill>
+        <a:latin typeface="+mn-lt"/>
+        <a:ea typeface="+mn-ea"/>
+        <a:cs typeface="+mn-cs"/>
+      </a:defRPr>
+    </a:lvl6pPr>
+    <a:lvl7pPr marL="2743200" algn="l" defTabSz="914400" rtl="0" eaLnBrk="1" latinLnBrk="0" hangingPunct="1">
+      <a:defRPr sz="1200" kern="1200">
+        <a:solidFill>
+          <a:schemeClr val="tx1"/>
+        </a:solidFill>
+        <a:latin typeface="+mn-lt"/>
+        <a:ea typeface="+mn-ea"/>
+        <a:cs typeface="+mn-cs"/>
+      </a:defRPr>
+    </a:lvl7pPr>
+    <a:lvl8pPr marL="3200400" algn="l" defTabSz="914400" rtl="0" eaLnBrk="1" latinLnBrk="0" hangingPunct="1">
+      <a:defRPr sz="1200" kern="1200">
+        <a:solidFill>
+          <a:schemeClr val="tx1"/>
+        </a:solidFill>
+        <a:latin typeface="+mn-lt"/>
+        <a:ea typeface="+mn-ea"/>
+        <a:cs typeface="+mn-cs"/>
+      </a:defRPr>
+    </a:lvl8pPr>
+    <a:lvl9pPr marL="3657600" algn="l" defTabSz="914400" rtl="0" eaLnBrk="1" latinLnBrk="0" hangingPunct="1">
+      <a:defRPr sz="1200" kern="1200">
+        <a:solidFill>
+          <a:schemeClr val="tx1"/>
+        </a:solidFill>
+        <a:latin typeface="+mn-lt"/>
+        <a:ea typeface="+mn-ea"/>
+        <a:cs typeface="+mn-cs"/>
+      </a:defRPr>
+    </a:lvl9pPr>
+  </p:notesStyle>
+</p:notesMaster>
+</file>
+
+<file path=ppt/notesSlides/notesSlide1.xml><?xml version="1.0" encoding="utf-8"?>
+<p:notes xmlns:a="http://schemas.openxmlformats.org/drawingml/2006/main" xmlns:r="http://schemas.openxmlformats.org/officeDocument/2006/relationships" xmlns:p="http://schemas.openxmlformats.org/presentationml/2006/main">
+  <p:cSld>
+    <p:spTree>
+      <p:nvGrpSpPr>
+        <p:cNvPr id="1" name=""/>
+        <p:cNvGrpSpPr/>
+        <p:nvPr/>
+      </p:nvGrpSpPr>
+      <p:grpSpPr>
+        <a:xfrm>
+          <a:off x="0" y="0"/>
+          <a:ext cx="0" cy="0"/>
+          <a:chOff x="0" y="0"/>
+          <a:chExt cx="0" cy="0"/>
+        </a:xfrm>
+      </p:grpSpPr>
+      <p:sp>
+        <p:nvSpPr>
+          <p:cNvPr id="2" name="Espaço Reservado para Imagem de Slide 1"/>
+          <p:cNvSpPr>
+            <a:spLocks noGrp="1" noRot="1" noChangeAspect="1"/>
+          </p:cNvSpPr>
+          <p:nvPr>
+            <p:ph type="sldImg"/>
+          </p:nvPr>
+        </p:nvSpPr>
+        <p:spPr/>
+      </p:sp>
+      <p:sp>
+        <p:nvSpPr>
+          <p:cNvPr id="3" name="Espaço Reservado para Anotações 2"/>
+          <p:cNvSpPr>
+            <a:spLocks noGrp="1"/>
+          </p:cNvSpPr>
+          <p:nvPr>
+            <p:ph type="body" idx="1"/>
+          </p:nvPr>
+        </p:nvSpPr>
+        <p:spPr/>
+        <p:txBody>
+          <a:bodyPr/>
+          <a:lstStyle/>
+          <a:p>
+            <a:endParaRPr lang="pt-BR"/>
+          </a:p>
+        </p:txBody>
+      </p:sp>
+      <p:sp>
+        <p:nvSpPr>
+          <p:cNvPr id="4" name="Espaço Reservado para Número de Slide 3"/>
+          <p:cNvSpPr>
+            <a:spLocks noGrp="1"/>
+          </p:cNvSpPr>
+          <p:nvPr>
+            <p:ph type="sldNum" sz="quarter" idx="5"/>
+          </p:nvPr>
+        </p:nvSpPr>
+        <p:spPr/>
+        <p:txBody>
+          <a:bodyPr/>
+          <a:lstStyle/>
+          <a:p>
+            <a:fld id="{E6B62123-A942-4DB7-A78A-3DC7749CB565}" type="slidenum">
+              <a:rPr lang="pt-BR" smtClean="0"/>
+              <a:t>1</a:t>
+            </a:fld>
+            <a:endParaRPr lang="pt-BR"/>
+          </a:p>
+        </p:txBody>
+      </p:sp>
+    </p:spTree>
+    <p:extLst>
+      <p:ext uri="{BB962C8B-B14F-4D97-AF65-F5344CB8AC3E}">
+        <p14:creationId xmlns:p14="http://schemas.microsoft.com/office/powerpoint/2010/main" val="536120423"/>
+      </p:ext>
+    </p:extLst>
+  </p:cSld>
+  <p:clrMapOvr>
+    <a:masterClrMapping/>
+  </p:clrMapOvr>
+</p:notes>
+</file>
+
 <file path=ppt/slideLayouts/slideLayout1.xml><?xml version="1.0" encoding="utf-8"?>
 <p:sldLayout xmlns:a="http://schemas.openxmlformats.org/drawingml/2006/main" xmlns:r="http://schemas.openxmlformats.org/officeDocument/2006/relationships" xmlns:p="http://schemas.openxmlformats.org/presentationml/2006/main" type="title" preserve="1">
   <p:cSld name="Slide de Título">
@@ -3831,7 +4341,7 @@
           <a:p>
             <a:fld id="{1BB1DD7D-86DD-4ADB-A077-C5108611ACBC}" type="datetimeFigureOut">
               <a:rPr lang="pt-BR" smtClean="0"/>
-              <a:t>07/06/2023</a:t>
+              <a:t>09/06/2023</a:t>
             </a:fld>
             <a:endParaRPr lang="pt-BR"/>
           </a:p>
@@ -4001,7 +4511,7 @@
           <a:p>
             <a:fld id="{1BB1DD7D-86DD-4ADB-A077-C5108611ACBC}" type="datetimeFigureOut">
               <a:rPr lang="pt-BR" smtClean="0"/>
-              <a:t>07/06/2023</a:t>
+              <a:t>09/06/2023</a:t>
             </a:fld>
             <a:endParaRPr lang="pt-BR"/>
           </a:p>
@@ -4181,7 +4691,7 @@
           <a:p>
             <a:fld id="{1BB1DD7D-86DD-4ADB-A077-C5108611ACBC}" type="datetimeFigureOut">
               <a:rPr lang="pt-BR" smtClean="0"/>
-              <a:t>07/06/2023</a:t>
+              <a:t>09/06/2023</a:t>
             </a:fld>
             <a:endParaRPr lang="pt-BR"/>
           </a:p>
@@ -4351,7 +4861,7 @@
           <a:p>
             <a:fld id="{1BB1DD7D-86DD-4ADB-A077-C5108611ACBC}" type="datetimeFigureOut">
               <a:rPr lang="pt-BR" smtClean="0"/>
-              <a:t>07/06/2023</a:t>
+              <a:t>09/06/2023</a:t>
             </a:fld>
             <a:endParaRPr lang="pt-BR"/>
           </a:p>
@@ -4595,7 +5105,7 @@
           <a:p>
             <a:fld id="{1BB1DD7D-86DD-4ADB-A077-C5108611ACBC}" type="datetimeFigureOut">
               <a:rPr lang="pt-BR" smtClean="0"/>
-              <a:t>07/06/2023</a:t>
+              <a:t>09/06/2023</a:t>
             </a:fld>
             <a:endParaRPr lang="pt-BR"/>
           </a:p>
@@ -4827,7 +5337,7 @@
           <a:p>
             <a:fld id="{1BB1DD7D-86DD-4ADB-A077-C5108611ACBC}" type="datetimeFigureOut">
               <a:rPr lang="pt-BR" smtClean="0"/>
-              <a:t>07/06/2023</a:t>
+              <a:t>09/06/2023</a:t>
             </a:fld>
             <a:endParaRPr lang="pt-BR"/>
           </a:p>
@@ -5194,7 +5704,7 @@
           <a:p>
             <a:fld id="{1BB1DD7D-86DD-4ADB-A077-C5108611ACBC}" type="datetimeFigureOut">
               <a:rPr lang="pt-BR" smtClean="0"/>
-              <a:t>07/06/2023</a:t>
+              <a:t>09/06/2023</a:t>
             </a:fld>
             <a:endParaRPr lang="pt-BR"/>
           </a:p>
@@ -5312,7 +5822,7 @@
           <a:p>
             <a:fld id="{1BB1DD7D-86DD-4ADB-A077-C5108611ACBC}" type="datetimeFigureOut">
               <a:rPr lang="pt-BR" smtClean="0"/>
-              <a:t>07/06/2023</a:t>
+              <a:t>09/06/2023</a:t>
             </a:fld>
             <a:endParaRPr lang="pt-BR"/>
           </a:p>
@@ -5407,7 +5917,7 @@
           <a:p>
             <a:fld id="{1BB1DD7D-86DD-4ADB-A077-C5108611ACBC}" type="datetimeFigureOut">
               <a:rPr lang="pt-BR" smtClean="0"/>
-              <a:t>07/06/2023</a:t>
+              <a:t>09/06/2023</a:t>
             </a:fld>
             <a:endParaRPr lang="pt-BR"/>
           </a:p>
@@ -5684,7 +6194,7 @@
           <a:p>
             <a:fld id="{1BB1DD7D-86DD-4ADB-A077-C5108611ACBC}" type="datetimeFigureOut">
               <a:rPr lang="pt-BR" smtClean="0"/>
-              <a:t>07/06/2023</a:t>
+              <a:t>09/06/2023</a:t>
             </a:fld>
             <a:endParaRPr lang="pt-BR"/>
           </a:p>
@@ -5941,7 +6451,7 @@
           <a:p>
             <a:fld id="{1BB1DD7D-86DD-4ADB-A077-C5108611ACBC}" type="datetimeFigureOut">
               <a:rPr lang="pt-BR" smtClean="0"/>
-              <a:t>07/06/2023</a:t>
+              <a:t>09/06/2023</a:t>
             </a:fld>
             <a:endParaRPr lang="pt-BR"/>
           </a:p>
@@ -6154,7 +6664,7 @@
           <a:p>
             <a:fld id="{1BB1DD7D-86DD-4ADB-A077-C5108611ACBC}" type="datetimeFigureOut">
               <a:rPr lang="pt-BR" smtClean="0"/>
-              <a:t>07/06/2023</a:t>
+              <a:t>09/06/2023</a:t>
             </a:fld>
             <a:endParaRPr lang="pt-BR"/>
           </a:p>
@@ -6686,7 +7196,7 @@
           <p:nvPr/>
         </p:nvPicPr>
         <p:blipFill rotWithShape="1">
-          <a:blip r:embed="rId2" cstate="hqprint">
+          <a:blip r:embed="rId3" cstate="hqprint">
             <a:extLst>
               <a:ext uri="{28A0092B-C50C-407E-A947-70E740481C1C}">
                 <a14:useLocalDpi xmlns:a14="http://schemas.microsoft.com/office/drawing/2010/main" val="0"/>
@@ -6720,8 +7230,8 @@
         </p:nvSpPr>
         <p:spPr>
           <a:xfrm>
-            <a:off x="98059" y="3114220"/>
-            <a:ext cx="31359962" cy="2246769"/>
+            <a:off x="264869" y="2428093"/>
+            <a:ext cx="31359962" cy="1938992"/>
           </a:xfrm>
           <a:prstGeom prst="rect">
             <a:avLst/>
@@ -6734,7 +7244,7 @@
           </a:bodyPr>
           <a:lstStyle/>
           <a:p>
-            <a:pPr algn="ctr" defTabSz="3909060" fontAlgn="auto">
+            <a:pPr marL="72000" algn="ctr" defTabSz="3909060" fontAlgn="auto">
               <a:spcBef>
                 <a:spcPts val="0"/>
               </a:spcBef>
@@ -6744,7 +7254,7 @@
               <a:defRPr/>
             </a:pPr>
             <a:r>
-              <a:rPr lang="pt-BR" sz="7000" b="1">
+              <a:rPr lang="pt-BR" sz="6000" b="1" spc="70" dirty="0">
                 <a:ln w="17780" cmpd="sng">
                   <a:solidFill>
                     <a:schemeClr val="tx1"/>
@@ -6790,12 +7300,14 @@
                   </a:gsLst>
                   <a:lin ang="5400000"/>
                 </a:gradFill>
+                <a:latin typeface="Arial" panose="020B0604020202020204" pitchFamily="34" charset="0"/>
+                <a:cs typeface="Arial" panose="020B0604020202020204" pitchFamily="34" charset="0"/>
               </a:rPr>
               <a:t>MORTES VIOLENTAS INTENCIONAIS - MVI</a:t>
             </a:r>
           </a:p>
           <a:p>
-            <a:pPr algn="ctr" defTabSz="3909060" fontAlgn="auto">
+            <a:pPr marL="72000" algn="ctr" defTabSz="3909060" fontAlgn="auto">
               <a:spcBef>
                 <a:spcPts val="0"/>
               </a:spcBef>
@@ -6805,7 +7317,7 @@
               <a:defRPr/>
             </a:pPr>
             <a:r>
-              <a:rPr lang="pt-BR" sz="7000" b="1">
+              <a:rPr lang="pt-BR" sz="6000" b="1" spc="70" dirty="0">
                 <a:ln w="17780" cmpd="sng">
                   <a:solidFill>
                     <a:schemeClr val="tx1"/>
@@ -6851,6 +7363,8 @@
                   </a:gsLst>
                   <a:lin ang="5400000"/>
                 </a:gradFill>
+                <a:latin typeface="Arial" panose="020B0604020202020204" pitchFamily="34" charset="0"/>
+                <a:cs typeface="Arial" panose="020B0604020202020204" pitchFamily="34" charset="0"/>
               </a:rPr>
               <a:t>DISCIPLINA: BIG DATA </a:t>
             </a:r>
@@ -6873,7 +7387,7 @@
         </p:nvSpPr>
         <p:spPr bwMode="auto">
           <a:xfrm>
-            <a:off x="453644" y="7616072"/>
+            <a:off x="501254" y="4842837"/>
             <a:ext cx="31253113" cy="2964914"/>
           </a:xfrm>
           <a:prstGeom prst="rect">
@@ -7018,43 +7532,42 @@
             <a:pPr algn="ctr"/>
             <a:r>
               <a:rPr lang="pt-BR" altLang="pt-BR" sz="4000" b="1" dirty="0">
-                <a:latin typeface="+mn-lt"/>
-                <a:cs typeface="Arial"/>
+                <a:latin typeface="Arial" panose="020B0604020202020204" pitchFamily="34" charset="0"/>
               </a:rPr>
               <a:t>ELIEL EVERTON DOS SANTOS SALGADO, JOÃO VICTOR FONTELE DA SILVA</a:t>
             </a:r>
             <a:endParaRPr lang="pt-BR" altLang="pt-BR" sz="4000" b="1" baseline="30000" dirty="0">
-              <a:latin typeface="+mn-lt"/>
-              <a:cs typeface="Arial"/>
+              <a:latin typeface="Arial" panose="020B0604020202020204" pitchFamily="34" charset="0"/>
             </a:endParaRPr>
           </a:p>
           <a:p>
             <a:pPr algn="ctr"/>
             <a:r>
               <a:rPr lang="pt-BR" altLang="pt-BR" sz="4000" b="1" dirty="0">
-                <a:latin typeface="+mn-lt"/>
-                <a:cs typeface="Arial"/>
+                <a:latin typeface="Arial" panose="020B0604020202020204" pitchFamily="34" charset="0"/>
               </a:rPr>
               <a:t>ORIENTADORA: OTILIA NOGUEIRA</a:t>
             </a:r>
             <a:endParaRPr lang="pt-BR" altLang="pt-BR" sz="4000" b="1" baseline="30000" dirty="0">
-              <a:latin typeface="+mn-lt"/>
+              <a:latin typeface="Arial" panose="020B0604020202020204" pitchFamily="34" charset="0"/>
               <a:ea typeface="Calibri"/>
-              <a:cs typeface="Arial"/>
             </a:endParaRPr>
           </a:p>
           <a:p>
             <a:pPr algn="ctr"/>
             <a:endParaRPr lang="pt-BR" altLang="pt-BR" sz="4000" b="1" baseline="30000" dirty="0">
-              <a:latin typeface="+mn-lt"/>
+              <a:latin typeface="Arial" panose="020B0604020202020204" pitchFamily="34" charset="0"/>
             </a:endParaRPr>
           </a:p>
           <a:p>
-            <a:pPr algn="ctr"/>
+            <a:pPr algn="ctr">
+              <a:spcAft>
+                <a:spcPts val="3000"/>
+              </a:spcAft>
+            </a:pPr>
             <a:r>
               <a:rPr lang="pt-BR" altLang="pt-BR" sz="4000" b="1" dirty="0">
-                <a:latin typeface="+mn-lt"/>
-                <a:cs typeface="Arial"/>
+                <a:latin typeface="Arial" panose="020B0604020202020204" pitchFamily="34" charset="0"/>
               </a:rPr>
               <a:t>CURSO: CIÊNCIAS DA COMPUTAÇÃO</a:t>
             </a:r>
@@ -7229,7 +7742,7 @@
           <p:nvPr/>
         </p:nvPicPr>
         <p:blipFill rotWithShape="1">
-          <a:blip r:embed="rId3">
+          <a:blip r:embed="rId4">
             <a:extLst>
               <a:ext uri="{28A0092B-C50C-407E-A947-70E740481C1C}">
                 <a14:useLocalDpi xmlns:a14="http://schemas.microsoft.com/office/drawing/2010/main" val="0"/>
@@ -7263,7 +7776,7 @@
         </p:nvSpPr>
         <p:spPr>
           <a:xfrm>
-            <a:off x="16532056" y="10533648"/>
+            <a:off x="16423814" y="7594309"/>
             <a:ext cx="15440025" cy="1079104"/>
           </a:xfrm>
           <a:prstGeom prst="round2DiagRect">
@@ -7325,7 +7838,7 @@
         </p:nvSpPr>
         <p:spPr>
           <a:xfrm>
-            <a:off x="16532056" y="10533648"/>
+            <a:off x="16565674" y="7722177"/>
             <a:ext cx="11809413" cy="923330"/>
           </a:xfrm>
           <a:prstGeom prst="rect">
@@ -7349,7 +7862,7 @@
               <a:defRPr/>
             </a:pPr>
             <a:r>
-              <a:rPr lang="pt-BR" sz="5400" b="1">
+              <a:rPr lang="pt-BR" sz="5400" b="1" dirty="0">
                 <a:ln w="3175">
                   <a:noFill/>
                 </a:ln>
@@ -7368,7 +7881,7 @@
               </a:rPr>
               <a:t>RESULTADOS</a:t>
             </a:r>
-            <a:endParaRPr lang="pt-BR" sz="5400">
+            <a:endParaRPr lang="pt-BR" sz="5400" dirty="0">
               <a:ln w="3175">
                 <a:noFill/>
               </a:ln>
@@ -7400,7 +7913,7 @@
         </p:nvSpPr>
         <p:spPr>
           <a:xfrm>
-            <a:off x="546100" y="10477500"/>
+            <a:off x="504825" y="7594309"/>
             <a:ext cx="15440025" cy="1079104"/>
           </a:xfrm>
           <a:prstGeom prst="round2DiagRect">
@@ -7462,7 +7975,7 @@
         </p:nvSpPr>
         <p:spPr>
           <a:xfrm>
-            <a:off x="546100" y="10477500"/>
+            <a:off x="643114" y="7731277"/>
             <a:ext cx="11809413" cy="923330"/>
           </a:xfrm>
           <a:prstGeom prst="rect">
@@ -7486,7 +7999,7 @@
               <a:defRPr/>
             </a:pPr>
             <a:r>
-              <a:rPr lang="pt-BR" sz="5400" b="1">
+              <a:rPr lang="pt-BR" sz="5400" b="1" dirty="0">
                 <a:ln w="3175">
                   <a:noFill/>
                 </a:ln>
@@ -7506,7 +8019,7 @@
               <a:t>INTRODUÇÃO</a:t>
             </a:r>
             <a:r>
-              <a:rPr lang="pt-BR" sz="5400" b="1">
+              <a:rPr lang="pt-BR" sz="5400" b="1" dirty="0">
                 <a:ln w="3175">
                   <a:noFill/>
                 </a:ln>
@@ -7524,7 +8037,7 @@
               <a:t> </a:t>
             </a:r>
             <a:r>
-              <a:rPr lang="pt-BR" sz="5400">
+              <a:rPr lang="pt-BR" sz="5400" dirty="0">
                 <a:ln w="3175">
                   <a:noFill/>
                 </a:ln>
@@ -7558,7 +8071,7 @@
         </p:nvSpPr>
         <p:spPr>
           <a:xfrm>
-            <a:off x="534151" y="28037004"/>
+            <a:off x="486088" y="28326760"/>
             <a:ext cx="15440025" cy="1079104"/>
           </a:xfrm>
           <a:prstGeom prst="round2DiagRect">
@@ -7624,7 +8137,7 @@
         </p:nvSpPr>
         <p:spPr>
           <a:xfrm>
-            <a:off x="643115" y="28107696"/>
+            <a:off x="643114" y="28373287"/>
             <a:ext cx="11809413" cy="923330"/>
           </a:xfrm>
           <a:prstGeom prst="rect">
@@ -7698,18 +8211,18 @@
           <p:nvPr>
             <p:extLst>
               <p:ext uri="{D42A27DB-BD31-4B8C-83A1-F6EECF244321}">
-                <p14:modId xmlns:p14="http://schemas.microsoft.com/office/powerpoint/2010/main" val="3283724122"/>
+                <p14:modId xmlns:p14="http://schemas.microsoft.com/office/powerpoint/2010/main" val="2534142338"/>
               </p:ext>
             </p:extLst>
           </p:nvPr>
         </p:nvGraphicFramePr>
         <p:xfrm>
-          <a:off x="858316" y="29410364"/>
+          <a:off x="599995" y="29808684"/>
           <a:ext cx="14543239" cy="9960508"/>
         </p:xfrm>
         <a:graphic>
           <a:graphicData uri="http://schemas.openxmlformats.org/drawingml/2006/diagram">
-            <dgm:relIds xmlns:dgm="http://schemas.openxmlformats.org/drawingml/2006/diagram" xmlns:r="http://schemas.openxmlformats.org/officeDocument/2006/relationships" r:dm="rId4" r:lo="rId5" r:qs="rId6" r:cs="rId7"/>
+            <dgm:relIds xmlns:dgm="http://schemas.openxmlformats.org/drawingml/2006/diagram" xmlns:r="http://schemas.openxmlformats.org/officeDocument/2006/relationships" r:dm="rId5" r:lo="rId6" r:qs="rId7" r:cs="rId8"/>
           </a:graphicData>
         </a:graphic>
       </p:graphicFrame>
@@ -7855,8 +8368,8 @@
         </p:nvSpPr>
         <p:spPr>
           <a:xfrm>
-            <a:off x="658342" y="11853967"/>
-            <a:ext cx="14879314" cy="16274905"/>
+            <a:off x="599995" y="9443795"/>
+            <a:ext cx="14879314" cy="18539562"/>
           </a:xfrm>
           <a:prstGeom prst="rect">
             <a:avLst/>
@@ -7873,25 +8386,97 @@
               <a:lnSpc>
                 <a:spcPct val="107000"/>
               </a:lnSpc>
+            </a:pPr>
+            <a:r>
+              <a:rPr lang="pt-BR" sz="3600" dirty="0">
+                <a:effectLst/>
+                <a:latin typeface="Arial" panose="020B0604020202020204" pitchFamily="34" charset="0"/>
+                <a:ea typeface="Times New Roman" panose="02020603050405020304" pitchFamily="18" charset="0"/>
+                <a:cs typeface="Arial" panose="020B0604020202020204" pitchFamily="34" charset="0"/>
+              </a:rPr>
+              <a:t>As mortes violentas intencionais representam uma realidade alarmante em muitas sociedades ao redor do mundo. Esses eventos trágicos têm um impacto profundo nas vidas das vítimas, suas famílias e nas comunidades em que ocorrem. Compreender as causas subjacentes e encontrar maneiras eficazes de prevenir e reduzir as mortes violentas intencionais é de extrema importância para promover a segurança, a justiça e o bem-estar social.</a:t>
+            </a:r>
+          </a:p>
+          <a:p>
+            <a:pPr>
+              <a:lnSpc>
+                <a:spcPct val="107000"/>
+              </a:lnSpc>
+            </a:pPr>
+            <a:r>
+              <a:rPr lang="pt-BR" sz="3600" dirty="0">
+                <a:effectLst/>
+                <a:latin typeface="Arial" panose="020B0604020202020204" pitchFamily="34" charset="0"/>
+                <a:ea typeface="Times New Roman" panose="02020603050405020304" pitchFamily="18" charset="0"/>
+                <a:cs typeface="Arial" panose="020B0604020202020204" pitchFamily="34" charset="0"/>
+              </a:rPr>
+              <a:t>Os crimes que englobam a categoria de morte violenta intencional no contexto brasileiro são:</a:t>
+            </a:r>
+          </a:p>
+          <a:p>
+            <a:r>
+              <a:rPr lang="pt-BR" sz="3600" b="1" dirty="0">
+                <a:effectLst/>
+                <a:latin typeface="Arial" panose="020B0604020202020204" pitchFamily="34" charset="0"/>
+                <a:ea typeface="Times New Roman" panose="02020603050405020304" pitchFamily="18" charset="0"/>
+                <a:cs typeface="Arial" panose="020B0604020202020204" pitchFamily="34" charset="0"/>
+              </a:rPr>
+              <a:t>Homicídio doloso: </a:t>
+            </a:r>
+            <a:r>
+              <a:rPr lang="pt-BR" sz="3600" dirty="0">
+                <a:effectLst/>
+                <a:latin typeface="Arial" panose="020B0604020202020204" pitchFamily="34" charset="0"/>
+                <a:ea typeface="Times New Roman" panose="02020603050405020304" pitchFamily="18" charset="0"/>
+                <a:cs typeface="Arial" panose="020B0604020202020204" pitchFamily="34" charset="0"/>
+              </a:rPr>
+              <a:t>Refere-se ao ato de matar outra pessoa de forma intencional.</a:t>
+            </a:r>
+          </a:p>
+          <a:p>
+            <a:r>
+              <a:rPr lang="pt-BR" sz="3600" b="1" dirty="0">
+                <a:effectLst/>
+                <a:latin typeface="Arial" panose="020B0604020202020204" pitchFamily="34" charset="0"/>
+                <a:ea typeface="Times New Roman" panose="02020603050405020304" pitchFamily="18" charset="0"/>
+                <a:cs typeface="Arial" panose="020B0604020202020204" pitchFamily="34" charset="0"/>
+              </a:rPr>
+              <a:t>Lesão corporal seguida de morte: </a:t>
+            </a:r>
+            <a:r>
+              <a:rPr lang="pt-BR" sz="3600" dirty="0">
+                <a:effectLst/>
+                <a:latin typeface="Arial" panose="020B0604020202020204" pitchFamily="34" charset="0"/>
+                <a:ea typeface="Times New Roman" panose="02020603050405020304" pitchFamily="18" charset="0"/>
+                <a:cs typeface="Arial" panose="020B0604020202020204" pitchFamily="34" charset="0"/>
+              </a:rPr>
+              <a:t>Lesões causadas intencionalmente levando ao óbito da vítima.</a:t>
+            </a:r>
+          </a:p>
+          <a:p>
+            <a:pPr>
               <a:spcAft>
-                <a:spcPts val="800"/>
+                <a:spcPts val="600"/>
               </a:spcAft>
             </a:pPr>
             <a:r>
-              <a:rPr lang="pt-BR" sz="4000" b="1" dirty="0">
+              <a:rPr lang="pt-BR" sz="3600" b="1" dirty="0">
                 <a:effectLst/>
-                <a:latin typeface="Arial"/>
+                <a:latin typeface="Arial" panose="020B0604020202020204" pitchFamily="34" charset="0"/>
                 <a:ea typeface="Times New Roman" panose="02020603050405020304" pitchFamily="18" charset="0"/>
-                <a:cs typeface="Times New Roman"/>
+                <a:cs typeface="Arial" panose="020B0604020202020204" pitchFamily="34" charset="0"/>
               </a:rPr>
-              <a:t>Introdução:</a:t>
-            </a:r>
-            <a:endParaRPr lang="pt-BR" sz="4000" dirty="0">
-              <a:effectLst/>
-              <a:latin typeface="Arial"/>
-              <a:ea typeface="Times New Roman" panose="02020603050405020304" pitchFamily="18" charset="0"/>
-              <a:cs typeface="Times New Roman"/>
-            </a:endParaRPr>
+              <a:t>Latrocínio: </a:t>
+            </a:r>
+            <a:r>
+              <a:rPr lang="pt-BR" sz="3600" dirty="0">
+                <a:effectLst/>
+                <a:latin typeface="Arial" panose="020B0604020202020204" pitchFamily="34" charset="0"/>
+                <a:ea typeface="Times New Roman" panose="02020603050405020304" pitchFamily="18" charset="0"/>
+                <a:cs typeface="Arial" panose="020B0604020202020204" pitchFamily="34" charset="0"/>
+              </a:rPr>
+              <a:t>É o roubo seguido de morte.</a:t>
+            </a:r>
           </a:p>
           <a:p>
             <a:pPr>
@@ -7905,20 +8490,11 @@
             <a:r>
               <a:rPr lang="pt-BR" sz="3600" dirty="0">
                 <a:effectLst/>
-                <a:latin typeface="Calibri"/>
+                <a:latin typeface="Arial" panose="020B0604020202020204" pitchFamily="34" charset="0"/>
                 <a:ea typeface="Times New Roman" panose="02020603050405020304" pitchFamily="18" charset="0"/>
-                <a:cs typeface="Times New Roman"/>
+                <a:cs typeface="Arial" panose="020B0604020202020204" pitchFamily="34" charset="0"/>
               </a:rPr>
-              <a:t>As mortes violentas intencionais representam uma realidade alarmante em m</a:t>
-            </a:r>
-            <a:r>
-              <a:rPr lang="pt-BR" sz="3600" dirty="0">
-                <a:effectLst/>
-                <a:latin typeface="Arial"/>
-                <a:ea typeface="Times New Roman" panose="02020603050405020304" pitchFamily="18" charset="0"/>
-                <a:cs typeface="Times New Roman"/>
-              </a:rPr>
-              <a:t>uitas sociedades ao redor do mundo. Esses eventos trágicos têm um impacto profundo nas vidas das vítimas, suas famílias e nas comunidades em que ocorrem. Compreender as causas subjacentes e encontrar maneiras eficazes de prevenir e reduzir as mortes violentas intencionais é de extrema importância para promover a segurança, a justiça e o bem-estar social.</a:t>
+              <a:t>O fundamento reside na necessidade de uma resposta efetiva e abrangente para enfrentar as causas subjacentes da violência e proteger a vida e a integridade das pessoas.</a:t>
             </a:r>
           </a:p>
           <a:p>
@@ -7931,20 +8507,14 @@
               </a:spcAft>
             </a:pPr>
             <a:r>
-              <a:rPr lang="pt-BR" sz="4000" b="1" dirty="0">
+              <a:rPr lang="pt-BR" sz="3600" dirty="0">
                 <a:effectLst/>
-                <a:latin typeface="Arial"/>
+                <a:latin typeface="Arial" panose="020B0604020202020204" pitchFamily="34" charset="0"/>
                 <a:ea typeface="Times New Roman" panose="02020603050405020304" pitchFamily="18" charset="0"/>
-                <a:cs typeface="Times New Roman"/>
+                <a:cs typeface="Arial" panose="020B0604020202020204" pitchFamily="34" charset="0"/>
               </a:rPr>
-              <a:t>Fundamento/Justificativa do Projeto:</a:t>
-            </a:r>
-            <a:endParaRPr lang="pt-BR" sz="4000" dirty="0">
-              <a:effectLst/>
-              <a:latin typeface="Arial"/>
-              <a:ea typeface="Times New Roman" panose="02020603050405020304" pitchFamily="18" charset="0"/>
-              <a:cs typeface="Times New Roman"/>
-            </a:endParaRPr>
+              <a:t>A justificativa baseia-se na compreensão de que as mortes violentas intencionais têm efeitos devastadores não apenas nas vítimas e em suas famílias, mas também na sociedade como um todo. Além do sofrimento, essas mortes impactam a coesão social, geram medo e insegurança e têm implicações econômicas e de saúde pública significativas.</a:t>
+            </a:r>
           </a:p>
           <a:p>
             <a:pPr>
@@ -7956,14 +8526,20 @@
               </a:spcAft>
             </a:pPr>
             <a:r>
-              <a:rPr lang="pt-BR" sz="3600" dirty="0">
+              <a:rPr lang="pt-BR" sz="3600" b="1" dirty="0">
                 <a:effectLst/>
-                <a:latin typeface="Arial"/>
+                <a:latin typeface="Arial" panose="020B0604020202020204" pitchFamily="34" charset="0"/>
                 <a:ea typeface="Times New Roman" panose="02020603050405020304" pitchFamily="18" charset="0"/>
-                <a:cs typeface="Times New Roman"/>
+                <a:cs typeface="Arial" panose="020B0604020202020204" pitchFamily="34" charset="0"/>
               </a:rPr>
-              <a:t>O fundamento reside na necessidade de uma resposta efetiva e abrangente para enfrentar as causas subjacentes da violência e proteger a vida e a integridade das pessoas.</a:t>
-            </a:r>
+              <a:t>Objetivo:</a:t>
+            </a:r>
+            <a:endParaRPr lang="pt-BR" sz="3600" dirty="0">
+              <a:effectLst/>
+              <a:latin typeface="Arial" panose="020B0604020202020204" pitchFamily="34" charset="0"/>
+              <a:ea typeface="Times New Roman" panose="02020603050405020304" pitchFamily="18" charset="0"/>
+              <a:cs typeface="Arial" panose="020B0604020202020204" pitchFamily="34" charset="0"/>
+            </a:endParaRPr>
           </a:p>
           <a:p>
             <a:pPr>
@@ -7976,78 +8552,34 @@
             </a:pPr>
             <a:r>
               <a:rPr lang="pt-BR" sz="3600" dirty="0">
-                <a:effectLst/>
-                <a:latin typeface="Arial"/>
+                <a:latin typeface="Arial" panose="020B0604020202020204" pitchFamily="34" charset="0"/>
                 <a:ea typeface="Times New Roman" panose="02020603050405020304" pitchFamily="18" charset="0"/>
-                <a:cs typeface="Times New Roman"/>
-              </a:rPr>
-              <a:t>A justificativa baseia-se na compreensão de que as mortes violentas intencionais têm efeitos devastadores não apenas nas vítimas e em suas famílias, mas também na sociedade como um todo. Além do sofrimento, essas mortes impactam a coesão social, geram medo e insegurança e têm implicações econômicas e de saúde pública significativas.</a:t>
-            </a:r>
-          </a:p>
-          <a:p>
-            <a:pPr>
-              <a:lnSpc>
-                <a:spcPct val="107000"/>
-              </a:lnSpc>
-              <a:spcAft>
-                <a:spcPts val="800"/>
-              </a:spcAft>
-            </a:pPr>
-            <a:r>
-              <a:rPr lang="pt-BR" sz="4000" b="1" dirty="0">
-                <a:effectLst/>
-                <a:latin typeface="Arial"/>
-                <a:ea typeface="Times New Roman" panose="02020603050405020304" pitchFamily="18" charset="0"/>
-                <a:cs typeface="Times New Roman"/>
-              </a:rPr>
-              <a:t>Objetivo:</a:t>
-            </a:r>
-            <a:endParaRPr lang="pt-BR" sz="4000" dirty="0">
-              <a:effectLst/>
-              <a:latin typeface="Arial"/>
-              <a:ea typeface="Times New Roman" panose="02020603050405020304" pitchFamily="18" charset="0"/>
-              <a:cs typeface="Times New Roman"/>
-            </a:endParaRPr>
-          </a:p>
-          <a:p>
-            <a:pPr>
-              <a:lnSpc>
-                <a:spcPct val="107000"/>
-              </a:lnSpc>
-              <a:spcAft>
-                <a:spcPts val="800"/>
-              </a:spcAft>
-            </a:pPr>
-            <a:r>
-              <a:rPr lang="pt-BR" sz="3600" dirty="0">
-                <a:latin typeface="Arial"/>
-                <a:ea typeface="Times New Roman" panose="02020603050405020304" pitchFamily="18" charset="0"/>
-                <a:cs typeface="Times New Roman"/>
+                <a:cs typeface="Arial" panose="020B0604020202020204" pitchFamily="34" charset="0"/>
               </a:rPr>
               <a:t>P</a:t>
             </a:r>
             <a:r>
               <a:rPr lang="pt-BR" sz="3600" dirty="0">
                 <a:effectLst/>
-                <a:latin typeface="Arial"/>
+                <a:latin typeface="Arial" panose="020B0604020202020204" pitchFamily="34" charset="0"/>
                 <a:ea typeface="Times New Roman" panose="02020603050405020304" pitchFamily="18" charset="0"/>
-                <a:cs typeface="Times New Roman"/>
+                <a:cs typeface="Arial" panose="020B0604020202020204" pitchFamily="34" charset="0"/>
               </a:rPr>
               <a:t>romover a conscientização e a sensibilização da sociedade sobre a importância de combater as mortes violentas intencionais, envolvendo atores-chave, como governos, instituições de segurança, organizações da sociedade civil, profissionais de saúde, educadores e a comunidade em geral. Através desse projeto, almejamos contribuir para a construção de sociedades mais seguras, justas e pacíficas, onde a vida e a dignidade humana sejam valorizadas e protegidas.</a:t>
             </a:r>
             <a:r>
               <a:rPr lang="pt-BR" sz="3600" dirty="0">
-                <a:latin typeface="Arial"/>
+                <a:latin typeface="Arial" panose="020B0604020202020204" pitchFamily="34" charset="0"/>
                 <a:ea typeface="Times New Roman" panose="02020603050405020304" pitchFamily="18" charset="0"/>
-                <a:cs typeface="Times New Roman"/>
+                <a:cs typeface="Arial" panose="020B0604020202020204" pitchFamily="34" charset="0"/>
               </a:rPr>
               <a:t> </a:t>
             </a:r>
             <a:endParaRPr lang="pt-BR" sz="3600" dirty="0">
               <a:effectLst/>
-              <a:latin typeface="Arial"/>
+              <a:latin typeface="Arial" panose="020B0604020202020204" pitchFamily="34" charset="0"/>
               <a:ea typeface="Times New Roman" panose="02020603050405020304" pitchFamily="18" charset="0"/>
-              <a:cs typeface="Times New Roman" panose="02020603050405020304" pitchFamily="18" charset="0"/>
+              <a:cs typeface="Arial" panose="020B0604020202020204" pitchFamily="34" charset="0"/>
             </a:endParaRPr>
           </a:p>
         </p:txBody>
@@ -8066,7 +8598,7 @@
         </p:nvSpPr>
         <p:spPr>
           <a:xfrm>
-            <a:off x="16819518" y="15878523"/>
+            <a:off x="16565674" y="12507451"/>
             <a:ext cx="16344900" cy="1261884"/>
           </a:xfrm>
           <a:prstGeom prst="rect">
@@ -8081,12 +8613,16 @@
           <a:lstStyle/>
           <a:p>
             <a:r>
-              <a:rPr lang="pt-BR" sz="4000" b="1" dirty="0"/>
+              <a:rPr lang="pt-BR" sz="4000" b="1" spc="40" dirty="0">
+                <a:latin typeface="Arial" panose="020B0604020202020204" pitchFamily="34" charset="0"/>
+                <a:cs typeface="Arial" panose="020B0604020202020204" pitchFamily="34" charset="0"/>
+              </a:rPr>
               <a:t>Dados Quantitativos: </a:t>
             </a:r>
-            <a:endParaRPr lang="pt-BR" sz="4000" b="1">
+            <a:endParaRPr lang="pt-BR" sz="4000" b="1" spc="40" dirty="0">
+              <a:latin typeface="Arial" panose="020B0604020202020204" pitchFamily="34" charset="0"/>
               <a:ea typeface="Calibri"/>
-              <a:cs typeface="Calibri"/>
+              <a:cs typeface="Arial" panose="020B0604020202020204" pitchFamily="34" charset="0"/>
             </a:endParaRPr>
           </a:p>
           <a:p>
@@ -8111,8 +8647,8 @@
         </p:nvSpPr>
         <p:spPr>
           <a:xfrm>
-            <a:off x="16810520" y="11049628"/>
-            <a:ext cx="16900070" cy="5200142"/>
+            <a:off x="16565674" y="8297636"/>
+            <a:ext cx="16900070" cy="4728730"/>
           </a:xfrm>
           <a:prstGeom prst="rect">
             <a:avLst/>
@@ -8129,11 +8665,14 @@
               <a:lnSpc>
                 <a:spcPct val="107000"/>
               </a:lnSpc>
+              <a:spcBef>
+                <a:spcPts val="600"/>
+              </a:spcBef>
               <a:spcAft>
                 <a:spcPts val="800"/>
               </a:spcAft>
             </a:pPr>
-            <a:endParaRPr lang="pt-BR" sz="2800">
+            <a:endParaRPr lang="pt-BR" sz="2800" dirty="0">
               <a:effectLst/>
               <a:latin typeface="Calibri" panose="020F0502020204030204" pitchFamily="34" charset="0"/>
               <a:ea typeface="Times New Roman" panose="02020603050405020304" pitchFamily="18" charset="0"/>
@@ -8145,18 +8684,42 @@
               <a:lnSpc>
                 <a:spcPct val="107000"/>
               </a:lnSpc>
+            </a:pPr>
+            <a:r>
+              <a:rPr lang="pt-BR" sz="4000" b="1" spc="30" dirty="0">
+                <a:effectLst/>
+                <a:latin typeface="Arial" panose="020B0604020202020204" pitchFamily="34" charset="0"/>
+                <a:ea typeface="Times New Roman" panose="02020603050405020304" pitchFamily="18" charset="0"/>
+                <a:cs typeface="Arial" panose="020B0604020202020204" pitchFamily="34" charset="0"/>
+              </a:rPr>
+              <a:t>Atividades:</a:t>
+            </a:r>
+          </a:p>
+          <a:p>
+            <a:r>
+              <a:rPr lang="pt-BR" sz="3200" dirty="0">
+                <a:effectLst/>
+                <a:latin typeface="Arial" panose="020B0604020202020204" pitchFamily="34" charset="0"/>
+                <a:ea typeface="Times New Roman" panose="02020603050405020304" pitchFamily="18" charset="0"/>
+                <a:cs typeface="Arial" panose="020B0604020202020204" pitchFamily="34" charset="0"/>
+              </a:rPr>
+              <a:t>Formação de grupos de estudos</a:t>
+            </a:r>
+          </a:p>
+          <a:p>
+            <a:pPr>
               <a:spcAft>
-                <a:spcPts val="800"/>
+                <a:spcPts val="600"/>
               </a:spcAft>
             </a:pPr>
             <a:r>
-              <a:rPr lang="pt-BR" sz="4000" b="1" dirty="0">
+              <a:rPr lang="pt-BR" sz="3200" dirty="0">
                 <a:effectLst/>
-                <a:latin typeface="Calibri"/>
+                <a:latin typeface="Arial" panose="020B0604020202020204" pitchFamily="34" charset="0"/>
                 <a:ea typeface="Times New Roman" panose="02020603050405020304" pitchFamily="18" charset="0"/>
-                <a:cs typeface="Times New Roman"/>
+                <a:cs typeface="Arial" panose="020B0604020202020204" pitchFamily="34" charset="0"/>
               </a:rPr>
-              <a:t>Atividades:</a:t>
+              <a:t>Questionamentos sobre o tema com a comunidade local.</a:t>
             </a:r>
           </a:p>
           <a:p>
@@ -8164,63 +8727,19 @@
               <a:lnSpc>
                 <a:spcPct val="107000"/>
               </a:lnSpc>
-              <a:spcAft>
-                <a:spcPts val="800"/>
-              </a:spcAft>
             </a:pPr>
             <a:r>
-              <a:rPr lang="pt-BR" sz="3200" dirty="0">
+              <a:rPr lang="pt-BR" sz="4000" b="1" spc="30" dirty="0">
                 <a:effectLst/>
-                <a:latin typeface="Arial"/>
+                <a:latin typeface="Arial" panose="020B0604020202020204" pitchFamily="34" charset="0"/>
                 <a:ea typeface="Times New Roman" panose="02020603050405020304" pitchFamily="18" charset="0"/>
-                <a:cs typeface="Times New Roman"/>
-              </a:rPr>
-              <a:t>Formação de grupos de estudos</a:t>
-            </a:r>
-          </a:p>
-          <a:p>
-            <a:pPr>
-              <a:lnSpc>
-                <a:spcPct val="107000"/>
-              </a:lnSpc>
-              <a:spcAft>
-                <a:spcPts val="800"/>
-              </a:spcAft>
-            </a:pPr>
-            <a:r>
-              <a:rPr lang="pt-BR" sz="3200" dirty="0">
-                <a:effectLst/>
-                <a:latin typeface="Arial"/>
-                <a:ea typeface="Times New Roman" panose="02020603050405020304" pitchFamily="18" charset="0"/>
-                <a:cs typeface="Times New Roman"/>
-              </a:rPr>
-              <a:t>Questionamentos sobre o tema com a comunidade local.</a:t>
-            </a:r>
-          </a:p>
-          <a:p>
-            <a:pPr>
-              <a:lnSpc>
-                <a:spcPct val="107000"/>
-              </a:lnSpc>
-              <a:spcAft>
-                <a:spcPts val="800"/>
-              </a:spcAft>
-            </a:pPr>
-            <a:r>
-              <a:rPr lang="pt-BR" sz="4000" b="1" dirty="0">
-                <a:effectLst/>
-                <a:latin typeface="Arial"/>
-                <a:ea typeface="Times New Roman" panose="02020603050405020304" pitchFamily="18" charset="0"/>
-                <a:cs typeface="Times New Roman"/>
+                <a:cs typeface="Arial" panose="020B0604020202020204" pitchFamily="34" charset="0"/>
               </a:rPr>
               <a:t>Público atendido:</a:t>
             </a:r>
           </a:p>
           <a:p>
             <a:pPr>
-              <a:lnSpc>
-                <a:spcPct val="107000"/>
-              </a:lnSpc>
               <a:spcAft>
                 <a:spcPts val="800"/>
               </a:spcAft>
@@ -8240,7 +8759,7 @@
                 <a:ea typeface="Times New Roman" panose="02020603050405020304" pitchFamily="18" charset="0"/>
                 <a:cs typeface="Times New Roman"/>
               </a:rPr>
-              <a:t> ; </a:t>
+              <a:t>; </a:t>
             </a:r>
             <a:r>
               <a:rPr lang="pt-BR" sz="3200" dirty="0">
@@ -8248,9 +8767,9 @@
                 <a:ea typeface="Calibri"/>
                 <a:cs typeface="Calibri"/>
               </a:rPr>
-              <a:t>Familiares das vítimas ; Profissionais que necessitam de capitação</a:t>
-            </a:r>
-            <a:endParaRPr lang="pt-BR" sz="3200">
+              <a:t>Familiares das vítimas; Profissionais que necessitam de capitação</a:t>
+            </a:r>
+            <a:endParaRPr lang="pt-BR" sz="3200" dirty="0">
               <a:latin typeface="Arial"/>
               <a:ea typeface="Calibri"/>
               <a:cs typeface="Times New Roman" panose="02020603050405020304" pitchFamily="18" charset="0"/>
@@ -8258,9 +8777,6 @@
           </a:p>
           <a:p>
             <a:pPr>
-              <a:lnSpc>
-                <a:spcPct val="107000"/>
-              </a:lnSpc>
               <a:spcAft>
                 <a:spcPts val="800"/>
               </a:spcAft>
@@ -8312,7 +8828,7 @@
         </p:nvSpPr>
         <p:spPr>
           <a:xfrm>
-            <a:off x="17281227" y="33378959"/>
+            <a:off x="16662525" y="33438670"/>
             <a:ext cx="17210314" cy="721736"/>
           </a:xfrm>
           <a:prstGeom prst="rect">
@@ -8337,28 +8853,28 @@
             <a:r>
               <a:rPr lang="pt-BR" sz="4000" b="1" dirty="0">
                 <a:effectLst/>
-                <a:latin typeface="Calibri"/>
+                <a:latin typeface="Arial" panose="020B0604020202020204" pitchFamily="34" charset="0"/>
                 <a:ea typeface="Times New Roman" panose="02020603050405020304" pitchFamily="18" charset="0"/>
-                <a:cs typeface="Times New Roman"/>
+                <a:cs typeface="Arial" panose="020B0604020202020204" pitchFamily="34" charset="0"/>
               </a:rPr>
               <a:t>Evidências fotográficas:</a:t>
             </a:r>
             <a:r>
               <a:rPr lang="pt-BR" sz="4000" b="1" dirty="0">
-                <a:latin typeface="Calibri"/>
+                <a:latin typeface="Arial" panose="020B0604020202020204" pitchFamily="34" charset="0"/>
                 <a:ea typeface="Times New Roman" panose="02020603050405020304" pitchFamily="18" charset="0"/>
-                <a:cs typeface="Times New Roman"/>
+                <a:cs typeface="Arial" panose="020B0604020202020204" pitchFamily="34" charset="0"/>
               </a:rPr>
               <a:t> </a:t>
             </a:r>
-            <a:endParaRPr lang="pt-BR" sz="4000" b="1">
+            <a:endParaRPr lang="pt-BR" sz="4000" b="1" dirty="0">
               <a:solidFill>
                 <a:srgbClr val="FF0000"/>
               </a:solidFill>
               <a:effectLst/>
-              <a:latin typeface="Calibri" panose="020F0502020204030204" pitchFamily="34" charset="0"/>
+              <a:latin typeface="Arial" panose="020B0604020202020204" pitchFamily="34" charset="0"/>
               <a:ea typeface="Times New Roman" panose="02020603050405020304" pitchFamily="18" charset="0"/>
-              <a:cs typeface="Times New Roman" panose="02020603050405020304" pitchFamily="18" charset="0"/>
+              <a:cs typeface="Arial" panose="020B0604020202020204" pitchFamily="34" charset="0"/>
             </a:endParaRPr>
           </a:p>
         </p:txBody>
@@ -8369,42 +8885,6 @@
             <a:extLst>
               <a:ext uri="{FF2B5EF4-FFF2-40B4-BE49-F238E27FC236}">
                 <a16:creationId xmlns:a16="http://schemas.microsoft.com/office/drawing/2014/main" id="{B5BB8730-CDC1-A773-3D80-2E2EA53475EB}"/>
-              </a:ext>
-            </a:extLst>
-          </p:cNvPr>
-          <p:cNvPicPr>
-            <a:picLocks noChangeAspect="1"/>
-          </p:cNvPicPr>
-          <p:nvPr/>
-        </p:nvPicPr>
-        <p:blipFill>
-          <a:blip r:embed="rId9">
-            <a:extLst>
-              <a:ext uri="{28A0092B-C50C-407E-A947-70E740481C1C}">
-                <a14:useLocalDpi xmlns:a14="http://schemas.microsoft.com/office/drawing/2010/main" val="0"/>
-              </a:ext>
-            </a:extLst>
-          </a:blip>
-          <a:stretch>
-            <a:fillRect/>
-          </a:stretch>
-        </p:blipFill>
-        <p:spPr>
-          <a:xfrm>
-            <a:off x="17267778" y="34169465"/>
-            <a:ext cx="6774561" cy="5210262"/>
-          </a:xfrm>
-          <a:prstGeom prst="rect">
-            <a:avLst/>
-          </a:prstGeom>
-        </p:spPr>
-      </p:pic>
-      <p:pic>
-        <p:nvPicPr>
-          <p:cNvPr id="44" name="Imagem 43" descr="Grupo de pessoas sentadas no chão&#10;&#10;Descrição gerada automaticamente com confiança média">
-            <a:extLst>
-              <a:ext uri="{FF2B5EF4-FFF2-40B4-BE49-F238E27FC236}">
-                <a16:creationId xmlns:a16="http://schemas.microsoft.com/office/drawing/2014/main" id="{C8D0ED9A-0224-3EB4-C129-6391EA9CFCDD}"/>
               </a:ext>
             </a:extLst>
           </p:cNvPr>
@@ -8427,8 +8907,44 @@
         </p:blipFill>
         <p:spPr>
           <a:xfrm>
-            <a:off x="24253374" y="34124139"/>
-            <a:ext cx="7429332" cy="5162404"/>
+            <a:off x="16662525" y="34349335"/>
+            <a:ext cx="7013904" cy="5210262"/>
+          </a:xfrm>
+          <a:prstGeom prst="rect">
+            <a:avLst/>
+          </a:prstGeom>
+        </p:spPr>
+      </p:pic>
+      <p:pic>
+        <p:nvPicPr>
+          <p:cNvPr id="44" name="Imagem 43" descr="Grupo de pessoas sentadas no chão&#10;&#10;Descrição gerada automaticamente com confiança média">
+            <a:extLst>
+              <a:ext uri="{FF2B5EF4-FFF2-40B4-BE49-F238E27FC236}">
+                <a16:creationId xmlns:a16="http://schemas.microsoft.com/office/drawing/2014/main" id="{C8D0ED9A-0224-3EB4-C129-6391EA9CFCDD}"/>
+              </a:ext>
+            </a:extLst>
+          </p:cNvPr>
+          <p:cNvPicPr>
+            <a:picLocks noChangeAspect="1"/>
+          </p:cNvPicPr>
+          <p:nvPr/>
+        </p:nvPicPr>
+        <p:blipFill>
+          <a:blip r:embed="rId11">
+            <a:extLst>
+              <a:ext uri="{28A0092B-C50C-407E-A947-70E740481C1C}">
+                <a14:useLocalDpi xmlns:a14="http://schemas.microsoft.com/office/drawing/2010/main" val="0"/>
+              </a:ext>
+            </a:extLst>
+          </a:blip>
+          <a:stretch>
+            <a:fillRect/>
+          </a:stretch>
+        </p:blipFill>
+        <p:spPr>
+          <a:xfrm>
+            <a:off x="23957966" y="34322908"/>
+            <a:ext cx="7795605" cy="5162404"/>
           </a:xfrm>
           <a:prstGeom prst="rect">
             <a:avLst/>
@@ -8488,15 +9004,15 @@
           <p:nvPr/>
         </p:nvPicPr>
         <p:blipFill>
-          <a:blip r:embed="rId11"/>
+          <a:blip r:embed="rId12"/>
           <a:stretch>
             <a:fillRect/>
           </a:stretch>
         </p:blipFill>
         <p:spPr>
           <a:xfrm>
-            <a:off x="16964873" y="23644512"/>
-            <a:ext cx="13383100" cy="6256876"/>
+            <a:off x="16662525" y="21749656"/>
+            <a:ext cx="15091047" cy="8784773"/>
           </a:xfrm>
           <a:prstGeom prst="rect">
             <a:avLst/>
@@ -8517,8 +9033,8 @@
         </p:nvSpPr>
         <p:spPr>
           <a:xfrm>
-            <a:off x="16967799" y="30218493"/>
-            <a:ext cx="14150049" cy="3970318"/>
+            <a:off x="16662525" y="30127098"/>
+            <a:ext cx="15136768" cy="3123932"/>
           </a:xfrm>
           <a:prstGeom prst="rect">
             <a:avLst/>
@@ -8534,143 +9050,140 @@
           </a:bodyPr>
           <a:lstStyle/>
           <a:p>
-            <a:r>
-              <a:rPr lang="pt-BR" sz="3600" b="1" dirty="0">
-                <a:latin typeface="Arial"/>
-                <a:ea typeface="Calibri"/>
-                <a:cs typeface="Segoe UI"/>
+            <a:endParaRPr lang="pt-BR" sz="3200" b="1" dirty="0">
+              <a:latin typeface="Times New Roman" panose="02020603050405020304" pitchFamily="18" charset="0"/>
+              <a:cs typeface="Times New Roman" panose="02020603050405020304" pitchFamily="18" charset="0"/>
+            </a:endParaRPr>
+          </a:p>
+          <a:p>
+            <a:pPr>
+              <a:spcAft>
+                <a:spcPts val="600"/>
+              </a:spcAft>
+            </a:pPr>
+            <a:r>
+              <a:rPr lang="pt-BR" sz="3200" b="1" spc="20" dirty="0">
+                <a:latin typeface="Arial" panose="020B0604020202020204" pitchFamily="34" charset="0"/>
+                <a:cs typeface="Arial" panose="020B0604020202020204" pitchFamily="34" charset="0"/>
               </a:rPr>
-              <a:t>2020-2021</a:t>
-            </a:r>
-            <a:endParaRPr lang="pt-BR" sz="3600" b="1">
-              <a:latin typeface="Arial"/>
-              <a:cs typeface="Segoe UI"/>
+              <a:t>AINDA CONVIVEMOS COM VIOLÊNCIA EXTREMA.​</a:t>
+            </a:r>
+            <a:endParaRPr lang="pt-BR" sz="3200" b="1" spc="20" dirty="0">
+              <a:latin typeface="Arial" panose="020B0604020202020204" pitchFamily="34" charset="0"/>
+              <a:ea typeface="Calibri"/>
+              <a:cs typeface="Arial" panose="020B0604020202020204" pitchFamily="34" charset="0"/>
             </a:endParaRPr>
           </a:p>
           <a:p>
             <a:r>
-              <a:rPr lang="pt-BR" sz="3600" b="1" dirty="0">
-                <a:latin typeface="Arial"/>
-                <a:cs typeface="Segoe UI"/>
-              </a:rPr>
-              <a:t>APESAR DA MELHORA, AINDA CONVIVEMOS COM VIOLÊNCIA EXTREMA.​</a:t>
-            </a:r>
-            <a:endParaRPr lang="pt-BR" sz="3600" b="1">
-              <a:latin typeface="Arial"/>
-              <a:ea typeface="Calibri"/>
-              <a:cs typeface="Segoe UI"/>
-            </a:endParaRPr>
-          </a:p>
-          <a:p>
-            <a:r>
-              <a:rPr lang="pt-BR" sz="3600" b="1" dirty="0">
-                <a:latin typeface="Arial"/>
-                <a:cs typeface="Segoe UI"/>
+              <a:rPr lang="pt-BR" sz="3200" b="1" dirty="0">
+                <a:latin typeface="Arial" panose="020B0604020202020204" pitchFamily="34" charset="0"/>
+                <a:cs typeface="Arial" panose="020B0604020202020204" pitchFamily="34" charset="0"/>
               </a:rPr>
               <a:t>O Brasil tem </a:t>
             </a:r>
             <a:r>
-              <a:rPr lang="pt-BR" sz="3600" b="1" dirty="0">
+              <a:rPr lang="pt-BR" sz="3200" b="1" dirty="0">
                 <a:solidFill>
                   <a:srgbClr val="E60000"/>
                 </a:solidFill>
-                <a:latin typeface="Arial"/>
-                <a:cs typeface="Segoe UI"/>
+                <a:latin typeface="Arial" panose="020B0604020202020204" pitchFamily="34" charset="0"/>
+                <a:cs typeface="Arial" panose="020B0604020202020204" pitchFamily="34" charset="0"/>
               </a:rPr>
               <a:t>2,7%</a:t>
             </a:r>
             <a:r>
-              <a:rPr lang="pt-BR" sz="3600" b="1" dirty="0">
-                <a:latin typeface="Arial"/>
-                <a:cs typeface="Segoe UI"/>
+              <a:rPr lang="pt-BR" sz="3200" b="1" dirty="0">
+                <a:latin typeface="Arial" panose="020B0604020202020204" pitchFamily="34" charset="0"/>
+                <a:cs typeface="Arial" panose="020B0604020202020204" pitchFamily="34" charset="0"/>
               </a:rPr>
               <a:t> dos habitantes do planeta e </a:t>
             </a:r>
             <a:r>
-              <a:rPr lang="pt-BR" sz="3600" b="1" dirty="0">
+              <a:rPr lang="pt-BR" sz="3200" b="1" dirty="0">
                 <a:solidFill>
                   <a:srgbClr val="E60000"/>
                 </a:solidFill>
-                <a:latin typeface="Arial"/>
-                <a:cs typeface="Segoe UI"/>
+                <a:latin typeface="Arial" panose="020B0604020202020204" pitchFamily="34" charset="0"/>
+                <a:cs typeface="Arial" panose="020B0604020202020204" pitchFamily="34" charset="0"/>
               </a:rPr>
               <a:t>20,4%</a:t>
             </a:r>
             <a:r>
-              <a:rPr lang="pt-BR" sz="3600" b="1" dirty="0">
-                <a:latin typeface="Arial"/>
-                <a:cs typeface="Segoe UI"/>
+              <a:rPr lang="pt-BR" sz="3200" b="1" dirty="0">
+                <a:latin typeface="Arial" panose="020B0604020202020204" pitchFamily="34" charset="0"/>
+                <a:cs typeface="Arial" panose="020B0604020202020204" pitchFamily="34" charset="0"/>
               </a:rPr>
-              <a:t> dos homicídios. ​</a:t>
-            </a:r>
-            <a:endParaRPr lang="pt-BR" sz="3600" b="1">
-              <a:latin typeface="Arial"/>
+              <a:t> dos homicídios nos anos de 2020-2021.</a:t>
+            </a:r>
+            <a:endParaRPr lang="pt-BR" sz="3200" b="1" dirty="0">
+              <a:latin typeface="Arial" panose="020B0604020202020204" pitchFamily="34" charset="0"/>
               <a:ea typeface="Calibri"/>
-              <a:cs typeface="Segoe UI"/>
+              <a:cs typeface="Arial" panose="020B0604020202020204" pitchFamily="34" charset="0"/>
             </a:endParaRPr>
           </a:p>
           <a:p>
             <a:r>
-              <a:rPr lang="pt-BR" sz="3600" b="1" dirty="0">
-                <a:latin typeface="Arial"/>
-                <a:cs typeface="Segoe UI"/>
+              <a:rPr lang="pt-BR" sz="3200" b="1" dirty="0">
+                <a:latin typeface="Arial" panose="020B0604020202020204" pitchFamily="34" charset="0"/>
+                <a:cs typeface="Arial" panose="020B0604020202020204" pitchFamily="34" charset="0"/>
               </a:rPr>
               <a:t>Assassinatos em 102 países: </a:t>
             </a:r>
             <a:r>
-              <a:rPr lang="pt-BR" sz="3600" b="1" dirty="0">
+              <a:rPr lang="pt-BR" sz="3200" b="1" dirty="0">
                 <a:solidFill>
                   <a:srgbClr val="E60000"/>
                 </a:solidFill>
-                <a:latin typeface="Arial"/>
-                <a:cs typeface="Segoe UI"/>
+                <a:latin typeface="Arial" panose="020B0604020202020204" pitchFamily="34" charset="0"/>
+                <a:cs typeface="Arial" panose="020B0604020202020204" pitchFamily="34" charset="0"/>
               </a:rPr>
               <a:t>232.676​</a:t>
             </a:r>
-            <a:endParaRPr lang="pt-BR" sz="3600" b="1">
+            <a:endParaRPr lang="pt-BR" sz="3200" b="1" dirty="0">
               <a:solidFill>
                 <a:srgbClr val="E60000"/>
               </a:solidFill>
-              <a:latin typeface="Arial"/>
+              <a:latin typeface="Arial" panose="020B0604020202020204" pitchFamily="34" charset="0"/>
               <a:ea typeface="Calibri"/>
-              <a:cs typeface="Segoe UI"/>
+              <a:cs typeface="Arial" panose="020B0604020202020204" pitchFamily="34" charset="0"/>
             </a:endParaRPr>
           </a:p>
           <a:p>
             <a:r>
-              <a:rPr lang="pt-BR" sz="3600" b="1" dirty="0">
-                <a:latin typeface="Arial"/>
-                <a:cs typeface="Segoe UI"/>
+              <a:rPr lang="pt-BR" sz="3200" b="1" dirty="0">
+                <a:latin typeface="Arial" panose="020B0604020202020204" pitchFamily="34" charset="0"/>
+                <a:cs typeface="Arial" panose="020B0604020202020204" pitchFamily="34" charset="0"/>
               </a:rPr>
               <a:t>Brasil: </a:t>
             </a:r>
             <a:r>
-              <a:rPr lang="pt-BR" sz="3600" b="1" dirty="0">
+              <a:rPr lang="pt-BR" sz="3200" b="1" dirty="0">
                 <a:solidFill>
                   <a:srgbClr val="E60000"/>
                 </a:solidFill>
-                <a:latin typeface="Arial"/>
-                <a:cs typeface="Segoe UI"/>
+                <a:latin typeface="Arial" panose="020B0604020202020204" pitchFamily="34" charset="0"/>
+                <a:cs typeface="Arial" panose="020B0604020202020204" pitchFamily="34" charset="0"/>
               </a:rPr>
               <a:t>47.503</a:t>
             </a:r>
-            <a:endParaRPr lang="pt-BR" sz="3600" b="1" dirty="0">
+            <a:endParaRPr lang="pt-BR" sz="3200" b="1" dirty="0">
               <a:solidFill>
                 <a:srgbClr val="E60000"/>
               </a:solidFill>
-              <a:latin typeface="Arial"/>
+              <a:latin typeface="Arial" panose="020B0604020202020204" pitchFamily="34" charset="0"/>
               <a:ea typeface="Calibri"/>
-              <a:cs typeface="Segoe UI"/>
+              <a:cs typeface="Arial" panose="020B0604020202020204" pitchFamily="34" charset="0"/>
             </a:endParaRPr>
           </a:p>
         </p:txBody>
       </p:sp>
       <p:pic>
         <p:nvPicPr>
-          <p:cNvPr id="13" name="Imagem 12" descr="Gráfico, Gráfico de linhas&#10;&#10;Descrição gerada automaticamente">
+          <p:cNvPr id="11" name="Imagem 10" descr="Gráfico, Gráfico de linhas&#10;&#10;Descrição gerada automaticamente">
             <a:extLst>
               <a:ext uri="{FF2B5EF4-FFF2-40B4-BE49-F238E27FC236}">
-                <a16:creationId xmlns:a16="http://schemas.microsoft.com/office/drawing/2014/main" id="{08249045-3B3A-E001-4582-3B8900D3502F}"/>
+                <a16:creationId xmlns:a16="http://schemas.microsoft.com/office/drawing/2014/main" id="{B3838562-7123-3A51-BD50-054E2709069F}"/>
               </a:ext>
             </a:extLst>
           </p:cNvPr>
@@ -8680,7 +9193,7 @@
           <p:nvPr/>
         </p:nvPicPr>
         <p:blipFill>
-          <a:blip r:embed="rId12">
+          <a:blip r:embed="rId13">
             <a:extLst>
               <a:ext uri="{28A0092B-C50C-407E-A947-70E740481C1C}">
                 <a14:useLocalDpi xmlns:a14="http://schemas.microsoft.com/office/drawing/2010/main" val="0"/>
@@ -8693,8 +9206,8 @@
         </p:blipFill>
         <p:spPr>
           <a:xfrm>
-            <a:off x="16808115" y="16942707"/>
-            <a:ext cx="13539857" cy="6001458"/>
+            <a:off x="16565674" y="13309048"/>
+            <a:ext cx="15059157" cy="8094759"/>
           </a:xfrm>
           <a:prstGeom prst="rect">
             <a:avLst/>
@@ -8705,1303 +9218,6 @@
     <p:extLst>
       <p:ext uri="{BB962C8B-B14F-4D97-AF65-F5344CB8AC3E}">
         <p14:creationId xmlns:p14="http://schemas.microsoft.com/office/powerpoint/2010/main" val="2506518773"/>
-      </p:ext>
-    </p:extLst>
-  </p:cSld>
-  <p:clrMapOvr>
-    <a:masterClrMapping/>
-  </p:clrMapOvr>
-</p:sld>
-</file>
-
-<file path=ppt/slides/slide2.xml><?xml version="1.0" encoding="utf-8"?>
-<p:sld xmlns:a="http://schemas.openxmlformats.org/drawingml/2006/main" xmlns:r="http://schemas.openxmlformats.org/officeDocument/2006/relationships" xmlns:p="http://schemas.openxmlformats.org/presentationml/2006/main">
-  <p:cSld>
-    <p:bg>
-      <p:bgPr>
-        <a:solidFill>
-          <a:srgbClr val="000000"/>
-        </a:solidFill>
-        <a:effectLst/>
-      </p:bgPr>
-    </p:bg>
-    <p:spTree>
-      <p:nvGrpSpPr>
-        <p:cNvPr id="1" name=""/>
-        <p:cNvGrpSpPr/>
-        <p:nvPr/>
-      </p:nvGrpSpPr>
-      <p:grpSpPr>
-        <a:xfrm>
-          <a:off x="0" y="0"/>
-          <a:ext cx="0" cy="0"/>
-          <a:chOff x="0" y="0"/>
-          <a:chExt cx="0" cy="0"/>
-        </a:xfrm>
-      </p:grpSpPr>
-      <p:sp>
-        <p:nvSpPr>
-          <p:cNvPr id="10" name="Rectangle 9">
-            <a:extLst>
-              <a:ext uri="{FF2B5EF4-FFF2-40B4-BE49-F238E27FC236}">
-                <a16:creationId xmlns:a16="http://schemas.microsoft.com/office/drawing/2014/main" id="{71B2258F-86CA-4D4D-8270-BC05FCDEBFB3}"/>
-              </a:ext>
-              <a:ext uri="{C183D7F6-B498-43B3-948B-1728B52AA6E4}">
-                <adec:decorative xmlns:adec="http://schemas.microsoft.com/office/drawing/2017/decorative" val="1"/>
-              </a:ext>
-            </a:extLst>
-          </p:cNvPr>
-          <p:cNvSpPr>
-            <a:spLocks noGrp="1" noRot="1" noChangeAspect="1" noMove="1" noResize="1" noEditPoints="1" noAdjustHandles="1" noChangeArrowheads="1" noChangeShapeType="1" noTextEdit="1"/>
-          </p:cNvSpPr>
-          <p:nvPr>
-            <p:extLst>
-              <p:ext uri="{386F3935-93C4-4BCD-93E2-E3B085C9AB24}">
-                <p16:designElem xmlns:p16="http://schemas.microsoft.com/office/powerpoint/2015/main" val="1"/>
-              </p:ext>
-            </p:extLst>
-          </p:nvPr>
-        </p:nvSpPr>
-        <p:spPr>
-          <a:xfrm>
-            <a:off x="0" y="0"/>
-            <a:ext cx="32399287" cy="43200637"/>
-          </a:xfrm>
-          <a:prstGeom prst="rect">
-            <a:avLst/>
-          </a:prstGeom>
-          <a:solidFill>
-            <a:srgbClr val="000000"/>
-          </a:solidFill>
-          <a:ln>
-            <a:noFill/>
-          </a:ln>
-        </p:spPr>
-        <p:style>
-          <a:lnRef idx="2">
-            <a:schemeClr val="accent1">
-              <a:shade val="50000"/>
-            </a:schemeClr>
-          </a:lnRef>
-          <a:fillRef idx="1">
-            <a:schemeClr val="accent1"/>
-          </a:fillRef>
-          <a:effectRef idx="0">
-            <a:schemeClr val="accent1"/>
-          </a:effectRef>
-          <a:fontRef idx="minor">
-            <a:schemeClr val="lt1"/>
-          </a:fontRef>
-        </p:style>
-        <p:txBody>
-          <a:bodyPr rtlCol="0" anchor="ctr"/>
-          <a:lstStyle/>
-          <a:p>
-            <a:pPr algn="ctr"/>
-            <a:endParaRPr lang="en-US" sz="1013"/>
-          </a:p>
-        </p:txBody>
-      </p:sp>
-      <p:pic>
-        <p:nvPicPr>
-          <p:cNvPr id="6" name="Picture 5" descr="A mão de uma pessoa cheia de tinta colorida">
-            <a:extLst>
-              <a:ext uri="{FF2B5EF4-FFF2-40B4-BE49-F238E27FC236}">
-                <a16:creationId xmlns:a16="http://schemas.microsoft.com/office/drawing/2014/main" id="{0AE51D54-ED70-B53F-A6D7-AD31FA2FB363}"/>
-              </a:ext>
-            </a:extLst>
-          </p:cNvPr>
-          <p:cNvPicPr>
-            <a:picLocks noChangeAspect="1"/>
-          </p:cNvPicPr>
-          <p:nvPr/>
-        </p:nvPicPr>
-        <p:blipFill rotWithShape="1">
-          <a:blip r:embed="rId2">
-            <a:alphaModFix amt="50000"/>
-          </a:blip>
-          <a:srcRect l="24927" r="25012"/>
-          <a:stretch/>
-        </p:blipFill>
-        <p:spPr>
-          <a:xfrm>
-            <a:off x="20" y="10"/>
-            <a:ext cx="32399267" cy="43200627"/>
-          </a:xfrm>
-          <a:prstGeom prst="rect">
-            <a:avLst/>
-          </a:prstGeom>
-        </p:spPr>
-      </p:pic>
-      <p:sp>
-        <p:nvSpPr>
-          <p:cNvPr id="2" name="Título 1">
-            <a:extLst>
-              <a:ext uri="{FF2B5EF4-FFF2-40B4-BE49-F238E27FC236}">
-                <a16:creationId xmlns:a16="http://schemas.microsoft.com/office/drawing/2014/main" id="{D6243C50-6610-73E5-8FBB-E0E34BC4D780}"/>
-              </a:ext>
-            </a:extLst>
-          </p:cNvPr>
-          <p:cNvSpPr>
-            <a:spLocks noGrp="1"/>
-          </p:cNvSpPr>
-          <p:nvPr>
-            <p:ph type="ctrTitle"/>
-          </p:nvPr>
-        </p:nvSpPr>
-        <p:spPr>
-          <a:xfrm>
-            <a:off x="4049910" y="15941916"/>
-            <a:ext cx="24299466" cy="7115244"/>
-          </a:xfrm>
-        </p:spPr>
-        <p:style>
-          <a:lnRef idx="0">
-            <a:scrgbClr r="0" g="0" b="0"/>
-          </a:lnRef>
-          <a:fillRef idx="0">
-            <a:scrgbClr r="0" g="0" b="0"/>
-          </a:fillRef>
-          <a:effectRef idx="0">
-            <a:scrgbClr r="0" g="0" b="0"/>
-          </a:effectRef>
-          <a:fontRef idx="minor">
-            <a:schemeClr val="lt1"/>
-          </a:fontRef>
-        </p:style>
-        <p:txBody>
-          <a:bodyPr>
-            <a:normAutofit/>
-          </a:bodyPr>
-          <a:lstStyle/>
-          <a:p>
-            <a:r>
-              <a:rPr lang="pt-BR" sz="15000">
-                <a:solidFill>
-                  <a:srgbClr val="FFFFFF"/>
-                </a:solidFill>
-              </a:rPr>
-              <a:t>MORTE VIOLENTA INTENCIONAL - MVI</a:t>
-            </a:r>
-          </a:p>
-        </p:txBody>
-      </p:sp>
-      <p:sp>
-        <p:nvSpPr>
-          <p:cNvPr id="4" name="Subtítulo 3">
-            <a:extLst>
-              <a:ext uri="{FF2B5EF4-FFF2-40B4-BE49-F238E27FC236}">
-                <a16:creationId xmlns:a16="http://schemas.microsoft.com/office/drawing/2014/main" id="{016BF6C7-0BD6-8613-0CAF-57B5E246C4F1}"/>
-              </a:ext>
-            </a:extLst>
-          </p:cNvPr>
-          <p:cNvSpPr>
-            <a:spLocks noGrp="1"/>
-          </p:cNvSpPr>
-          <p:nvPr>
-            <p:ph type="subTitle" idx="1"/>
-          </p:nvPr>
-        </p:nvSpPr>
-        <p:spPr>
-          <a:xfrm>
-            <a:off x="4049910" y="25603200"/>
-            <a:ext cx="24299466" cy="8935398"/>
-          </a:xfrm>
-        </p:spPr>
-        <p:txBody>
-          <a:bodyPr>
-            <a:normAutofit fontScale="25000" lnSpcReduction="20000"/>
-          </a:bodyPr>
-          <a:lstStyle/>
-          <a:p>
-            <a:r>
-              <a:rPr lang="pt-BR" sz="26400" b="1"/>
-              <a:t>A morte violenta intencional refere-se a uma categoria de morte em que a ação de tirar a vida de outra pessoa é realizada com a intenção deliberada. Envolve a ação voluntária de um indivíduo em causar a morte de outra pessoa de maneira violenta, seja através de agressões físicas, uso de armas, estrangulamento, envenenamento intencional, entre outros meios. </a:t>
-            </a:r>
-          </a:p>
-          <a:p>
-            <a:r>
-              <a:rPr lang="pt-BR" sz="26400" b="1"/>
-              <a:t>Essa categoria abrange diferentes tipos de crimes e condutas, incluindo homicídios, feminicídios, assassinatos, suicídios, infanticídios, eutanásia não consentida, entre outros. A intenção de causar a morte é o fator central que diferencia a morte violenta intencional de outras formas de morte, como acidentes ou causas naturais.</a:t>
-            </a:r>
-          </a:p>
-          <a:p>
-            <a:endParaRPr lang="pt-BR">
-              <a:solidFill>
-                <a:srgbClr val="FFFFFF"/>
-              </a:solidFill>
-            </a:endParaRPr>
-          </a:p>
-        </p:txBody>
-      </p:sp>
-    </p:spTree>
-    <p:extLst>
-      <p:ext uri="{BB962C8B-B14F-4D97-AF65-F5344CB8AC3E}">
-        <p14:creationId xmlns:p14="http://schemas.microsoft.com/office/powerpoint/2010/main" val="4286247568"/>
-      </p:ext>
-    </p:extLst>
-  </p:cSld>
-  <p:clrMapOvr>
-    <a:overrideClrMapping bg1="dk1" tx1="lt1" bg2="dk2" tx2="lt2" accent1="accent1" accent2="accent2" accent3="accent3" accent4="accent4" accent5="accent5" accent6="accent6" hlink="hlink" folHlink="folHlink"/>
-  </p:clrMapOvr>
-  <p:timing>
-    <p:tnLst>
-      <p:par>
-        <p:cTn id="1" dur="indefinite" restart="never" nodeType="tmRoot">
-          <p:childTnLst>
-            <p:seq concurrent="1" nextAc="seek">
-              <p:cTn id="2" dur="indefinite" nodeType="mainSeq">
-                <p:childTnLst>
-                  <p:par>
-                    <p:cTn id="3" fill="hold">
-                      <p:stCondLst>
-                        <p:cond delay="indefinite"/>
-                        <p:cond evt="onBegin" delay="0">
-                          <p:tn val="2"/>
-                        </p:cond>
-                      </p:stCondLst>
-                      <p:childTnLst>
-                        <p:par>
-                          <p:cTn id="4" fill="hold">
-                            <p:stCondLst>
-                              <p:cond delay="0"/>
-                            </p:stCondLst>
-                            <p:childTnLst>
-                              <p:par>
-                                <p:cTn id="5" presetID="10" presetClass="entr" presetSubtype="0" fill="hold" grpId="0" nodeType="withEffect">
-                                  <p:stCondLst>
-                                    <p:cond delay="1000"/>
-                                  </p:stCondLst>
-                                  <p:iterate type="lt">
-                                    <p:tmPct val="10000"/>
-                                  </p:iterate>
-                                  <p:childTnLst>
-                                    <p:set>
-                                      <p:cBhvr>
-                                        <p:cTn id="6" dur="1" fill="hold">
-                                          <p:stCondLst>
-                                            <p:cond delay="0"/>
-                                          </p:stCondLst>
-                                        </p:cTn>
-                                        <p:tgtEl>
-                                          <p:spTgt spid="2"/>
-                                        </p:tgtEl>
-                                        <p:attrNameLst>
-                                          <p:attrName>style.visibility</p:attrName>
-                                        </p:attrNameLst>
-                                      </p:cBhvr>
-                                      <p:to>
-                                        <p:strVal val="visible"/>
-                                      </p:to>
-                                    </p:set>
-                                    <p:animEffect transition="in" filter="fade">
-                                      <p:cBhvr>
-                                        <p:cTn id="7" dur="400"/>
-                                        <p:tgtEl>
-                                          <p:spTgt spid="2"/>
-                                        </p:tgtEl>
-                                      </p:cBhvr>
-                                    </p:animEffect>
-                                  </p:childTnLst>
-                                </p:cTn>
-                              </p:par>
-                            </p:childTnLst>
-                          </p:cTn>
-                        </p:par>
-                      </p:childTnLst>
-                    </p:cTn>
-                  </p:par>
-                </p:childTnLst>
-              </p:cTn>
-              <p:prevCondLst>
-                <p:cond evt="onPrev" delay="0">
-                  <p:tgtEl>
-                    <p:sldTgt/>
-                  </p:tgtEl>
-                </p:cond>
-              </p:prevCondLst>
-              <p:nextCondLst>
-                <p:cond evt="onNext" delay="0">
-                  <p:tgtEl>
-                    <p:sldTgt/>
-                  </p:tgtEl>
-                </p:cond>
-              </p:nextCondLst>
-            </p:seq>
-          </p:childTnLst>
-        </p:cTn>
-      </p:par>
-    </p:tnLst>
-    <p:bldLst>
-      <p:bldP spid="2" grpId="0"/>
-    </p:bldLst>
-  </p:timing>
-</p:sld>
-</file>
-
-<file path=ppt/slides/slide3.xml><?xml version="1.0" encoding="utf-8"?>
-<p:sld xmlns:a="http://schemas.openxmlformats.org/drawingml/2006/main" xmlns:r="http://schemas.openxmlformats.org/officeDocument/2006/relationships" xmlns:p="http://schemas.openxmlformats.org/presentationml/2006/main">
-  <p:cSld>
-    <p:bg>
-      <p:bgPr>
-        <a:solidFill>
-          <a:schemeClr val="bg1"/>
-        </a:solidFill>
-        <a:effectLst/>
-      </p:bgPr>
-    </p:bg>
-    <p:spTree>
-      <p:nvGrpSpPr>
-        <p:cNvPr id="1" name=""/>
-        <p:cNvGrpSpPr/>
-        <p:nvPr/>
-      </p:nvGrpSpPr>
-      <p:grpSpPr>
-        <a:xfrm>
-          <a:off x="0" y="0"/>
-          <a:ext cx="0" cy="0"/>
-          <a:chOff x="0" y="0"/>
-          <a:chExt cx="0" cy="0"/>
-        </a:xfrm>
-      </p:grpSpPr>
-      <p:sp>
-        <p:nvSpPr>
-          <p:cNvPr id="10" name="Rectangle 9">
-            <a:extLst>
-              <a:ext uri="{FF2B5EF4-FFF2-40B4-BE49-F238E27FC236}">
-                <a16:creationId xmlns:a16="http://schemas.microsoft.com/office/drawing/2014/main" id="{1707FC24-6981-43D9-B525-C7832BA22463}"/>
-              </a:ext>
-              <a:ext uri="{C183D7F6-B498-43B3-948B-1728B52AA6E4}">
-                <adec:decorative xmlns:adec="http://schemas.microsoft.com/office/drawing/2017/decorative" val="1"/>
-              </a:ext>
-            </a:extLst>
-          </p:cNvPr>
-          <p:cNvSpPr>
-            <a:spLocks noGrp="1" noRot="1" noChangeAspect="1" noMove="1" noResize="1" noEditPoints="1" noAdjustHandles="1" noChangeArrowheads="1" noChangeShapeType="1" noTextEdit="1"/>
-          </p:cNvSpPr>
-          <p:nvPr>
-            <p:extLst>
-              <p:ext uri="{386F3935-93C4-4BCD-93E2-E3B085C9AB24}">
-                <p16:designElem xmlns:p16="http://schemas.microsoft.com/office/powerpoint/2015/main" val="1"/>
-              </p:ext>
-            </p:extLst>
-          </p:nvPr>
-        </p:nvSpPr>
-        <p:spPr bwMode="ltGray">
-          <a:xfrm>
-            <a:off x="1935817" y="1894971"/>
-            <a:ext cx="28655866" cy="15159027"/>
-          </a:xfrm>
-          <a:prstGeom prst="rect">
-            <a:avLst/>
-          </a:prstGeom>
-          <a:solidFill>
-            <a:srgbClr val="404040"/>
-          </a:solidFill>
-          <a:ln w="127000" cap="sq" cmpd="thinThick">
-            <a:solidFill>
-              <a:srgbClr val="404040"/>
-            </a:solidFill>
-          </a:ln>
-        </p:spPr>
-        <p:style>
-          <a:lnRef idx="2">
-            <a:schemeClr val="accent1">
-              <a:shade val="50000"/>
-            </a:schemeClr>
-          </a:lnRef>
-          <a:fillRef idx="1">
-            <a:schemeClr val="accent1"/>
-          </a:fillRef>
-          <a:effectRef idx="0">
-            <a:schemeClr val="accent1"/>
-          </a:effectRef>
-          <a:fontRef idx="minor">
-            <a:schemeClr val="lt1"/>
-          </a:fontRef>
-        </p:style>
-        <p:txBody>
-          <a:bodyPr rtlCol="0" anchor="ctr"/>
-          <a:lstStyle/>
-          <a:p>
-            <a:pPr algn="ctr"/>
-            <a:endParaRPr lang="en-US" sz="1013"/>
-          </a:p>
-        </p:txBody>
-      </p:sp>
-      <p:sp>
-        <p:nvSpPr>
-          <p:cNvPr id="2" name="Título 1">
-            <a:extLst>
-              <a:ext uri="{FF2B5EF4-FFF2-40B4-BE49-F238E27FC236}">
-                <a16:creationId xmlns:a16="http://schemas.microsoft.com/office/drawing/2014/main" id="{B39B9AE1-7466-81D2-02B7-900ACA47044F}"/>
-              </a:ext>
-            </a:extLst>
-          </p:cNvPr>
-          <p:cNvSpPr>
-            <a:spLocks noGrp="1"/>
-          </p:cNvSpPr>
-          <p:nvPr>
-            <p:ph type="title"/>
-          </p:nvPr>
-        </p:nvSpPr>
-        <p:spPr>
-          <a:xfrm>
-            <a:off x="2832584" y="2651797"/>
-            <a:ext cx="26863181" cy="13668938"/>
-          </a:xfrm>
-        </p:spPr>
-        <p:txBody>
-          <a:bodyPr vert="horz" lIns="91440" tIns="45720" rIns="91440" bIns="45720" rtlCol="0" anchor="ctr">
-            <a:normAutofit/>
-          </a:bodyPr>
-          <a:lstStyle/>
-          <a:p>
-            <a:pPr algn="ctr" defTabSz="685800"/>
-            <a:r>
-              <a:rPr lang="en-US" sz="20400" b="1">
-                <a:solidFill>
-                  <a:srgbClr val="FFFFFF"/>
-                </a:solidFill>
-              </a:rPr>
-              <a:t>TABELA </a:t>
-            </a:r>
-          </a:p>
-        </p:txBody>
-      </p:sp>
-      <p:pic>
-        <p:nvPicPr>
-          <p:cNvPr id="5" name="Imagem 4" descr="Tabela&#10;&#10;Descrição gerada automaticamente">
-            <a:extLst>
-              <a:ext uri="{FF2B5EF4-FFF2-40B4-BE49-F238E27FC236}">
-                <a16:creationId xmlns:a16="http://schemas.microsoft.com/office/drawing/2014/main" id="{E19AFDA8-7F8F-BA14-BCD1-36C126BC177B}"/>
-              </a:ext>
-            </a:extLst>
-          </p:cNvPr>
-          <p:cNvPicPr>
-            <a:picLocks noChangeAspect="1"/>
-          </p:cNvPicPr>
-          <p:nvPr/>
-        </p:nvPicPr>
-        <p:blipFill>
-          <a:blip r:embed="rId2">
-            <a:extLst>
-              <a:ext uri="{28A0092B-C50C-407E-A947-70E740481C1C}">
-                <a14:useLocalDpi xmlns:a14="http://schemas.microsoft.com/office/drawing/2010/main" val="0"/>
-              </a:ext>
-            </a:extLst>
-          </a:blip>
-          <a:stretch>
-            <a:fillRect/>
-          </a:stretch>
-        </p:blipFill>
-        <p:spPr>
-          <a:xfrm>
-            <a:off x="3259696" y="22174201"/>
-            <a:ext cx="23296004" cy="15849599"/>
-          </a:xfrm>
-          <a:prstGeom prst="rect">
-            <a:avLst/>
-          </a:prstGeom>
-        </p:spPr>
-      </p:pic>
-      <p:sp>
-        <p:nvSpPr>
-          <p:cNvPr id="3" name="CaixaDeTexto 2">
-            <a:extLst>
-              <a:ext uri="{FF2B5EF4-FFF2-40B4-BE49-F238E27FC236}">
-                <a16:creationId xmlns:a16="http://schemas.microsoft.com/office/drawing/2014/main" id="{32384F6B-975B-FD7F-A7BD-C527A3E18908}"/>
-              </a:ext>
-            </a:extLst>
-          </p:cNvPr>
-          <p:cNvSpPr txBox="1"/>
-          <p:nvPr/>
-        </p:nvSpPr>
-        <p:spPr>
-          <a:xfrm>
-            <a:off x="3145605" y="38671555"/>
-            <a:ext cx="23858172" cy="707886"/>
-          </a:xfrm>
-          <a:prstGeom prst="rect">
-            <a:avLst/>
-          </a:prstGeom>
-          <a:noFill/>
-        </p:spPr>
-        <p:txBody>
-          <a:bodyPr rot="0" spcFirstLastPara="0" vertOverflow="overflow" horzOverflow="overflow" vert="horz" wrap="square" lIns="91440" tIns="45720" rIns="91440" bIns="45720" numCol="1" spcCol="0" rtlCol="0" fromWordArt="0" anchor="t" anchorCtr="0" forceAA="0" compatLnSpc="1">
-            <a:prstTxWarp prst="textNoShape">
-              <a:avLst/>
-            </a:prstTxWarp>
-            <a:spAutoFit/>
-          </a:bodyPr>
-          <a:lstStyle/>
-          <a:p>
-            <a:endParaRPr lang="en-US" sz="4000" b="1" dirty="0">
-              <a:ea typeface="Calibri"/>
-              <a:cs typeface="Calibri"/>
-            </a:endParaRPr>
-          </a:p>
-        </p:txBody>
-      </p:sp>
-    </p:spTree>
-    <p:extLst>
-      <p:ext uri="{BB962C8B-B14F-4D97-AF65-F5344CB8AC3E}">
-        <p14:creationId xmlns:p14="http://schemas.microsoft.com/office/powerpoint/2010/main" val="2793749811"/>
-      </p:ext>
-    </p:extLst>
-  </p:cSld>
-  <p:clrMapOvr>
-    <a:masterClrMapping/>
-  </p:clrMapOvr>
-</p:sld>
-</file>
-
-<file path=ppt/slides/slide4.xml><?xml version="1.0" encoding="utf-8"?>
-<p:sld xmlns:a="http://schemas.openxmlformats.org/drawingml/2006/main" xmlns:r="http://schemas.openxmlformats.org/officeDocument/2006/relationships" xmlns:p="http://schemas.openxmlformats.org/presentationml/2006/main">
-  <p:cSld>
-    <p:bg>
-      <p:bgPr>
-        <a:solidFill>
-          <a:schemeClr val="bg1"/>
-        </a:solidFill>
-        <a:effectLst/>
-      </p:bgPr>
-    </p:bg>
-    <p:spTree>
-      <p:nvGrpSpPr>
-        <p:cNvPr id="1" name=""/>
-        <p:cNvGrpSpPr/>
-        <p:nvPr/>
-      </p:nvGrpSpPr>
-      <p:grpSpPr>
-        <a:xfrm>
-          <a:off x="0" y="0"/>
-          <a:ext cx="0" cy="0"/>
-          <a:chOff x="0" y="0"/>
-          <a:chExt cx="0" cy="0"/>
-        </a:xfrm>
-      </p:grpSpPr>
-      <p:sp>
-        <p:nvSpPr>
-          <p:cNvPr id="10" name="Rectangle 9">
-            <a:extLst>
-              <a:ext uri="{FF2B5EF4-FFF2-40B4-BE49-F238E27FC236}">
-                <a16:creationId xmlns:a16="http://schemas.microsoft.com/office/drawing/2014/main" id="{6753252F-4873-4F63-801D-CC719279A7D5}"/>
-              </a:ext>
-              <a:ext uri="{C183D7F6-B498-43B3-948B-1728B52AA6E4}">
-                <adec:decorative xmlns:adec="http://schemas.microsoft.com/office/drawing/2017/decorative" val="1"/>
-              </a:ext>
-            </a:extLst>
-          </p:cNvPr>
-          <p:cNvSpPr>
-            <a:spLocks noGrp="1" noRot="1" noChangeAspect="1" noMove="1" noResize="1" noEditPoints="1" noAdjustHandles="1" noChangeArrowheads="1" noChangeShapeType="1" noTextEdit="1"/>
-          </p:cNvSpPr>
-          <p:nvPr>
-            <p:extLst>
-              <p:ext uri="{386F3935-93C4-4BCD-93E2-E3B085C9AB24}">
-                <p16:designElem xmlns:p16="http://schemas.microsoft.com/office/powerpoint/2015/main" val="1"/>
-              </p:ext>
-            </p:extLst>
-          </p:nvPr>
-        </p:nvSpPr>
-        <p:spPr>
-          <a:xfrm>
-            <a:off x="0" y="0"/>
-            <a:ext cx="32399287" cy="43200637"/>
-          </a:xfrm>
-          <a:prstGeom prst="rect">
-            <a:avLst/>
-          </a:prstGeom>
-          <a:solidFill>
-            <a:srgbClr val="FFFFFF"/>
-          </a:solidFill>
-          <a:ln>
-            <a:noFill/>
-          </a:ln>
-        </p:spPr>
-        <p:style>
-          <a:lnRef idx="2">
-            <a:schemeClr val="accent1">
-              <a:shade val="50000"/>
-            </a:schemeClr>
-          </a:lnRef>
-          <a:fillRef idx="1">
-            <a:schemeClr val="accent1"/>
-          </a:fillRef>
-          <a:effectRef idx="0">
-            <a:schemeClr val="accent1"/>
-          </a:effectRef>
-          <a:fontRef idx="minor">
-            <a:schemeClr val="lt1"/>
-          </a:fontRef>
-        </p:style>
-        <p:txBody>
-          <a:bodyPr rtlCol="0" anchor="ctr"/>
-          <a:lstStyle/>
-          <a:p>
-            <a:pPr algn="ctr"/>
-            <a:endParaRPr lang="en-US" sz="1013"/>
-          </a:p>
-        </p:txBody>
-      </p:sp>
-      <p:sp>
-        <p:nvSpPr>
-          <p:cNvPr id="12" name="Rectangle 11">
-            <a:extLst>
-              <a:ext uri="{FF2B5EF4-FFF2-40B4-BE49-F238E27FC236}">
-                <a16:creationId xmlns:a16="http://schemas.microsoft.com/office/drawing/2014/main" id="{047C8CCB-F95D-4249-92DD-651249D3535A}"/>
-              </a:ext>
-              <a:ext uri="{C183D7F6-B498-43B3-948B-1728B52AA6E4}">
-                <adec:decorative xmlns:adec="http://schemas.microsoft.com/office/drawing/2017/decorative" val="1"/>
-              </a:ext>
-            </a:extLst>
-          </p:cNvPr>
-          <p:cNvSpPr>
-            <a:spLocks noGrp="1" noRot="1" noChangeAspect="1" noMove="1" noResize="1" noEditPoints="1" noAdjustHandles="1" noChangeArrowheads="1" noChangeShapeType="1" noTextEdit="1"/>
-          </p:cNvSpPr>
-          <p:nvPr>
-            <p:extLst>
-              <p:ext uri="{386F3935-93C4-4BCD-93E2-E3B085C9AB24}">
-                <p16:designElem xmlns:p16="http://schemas.microsoft.com/office/powerpoint/2015/main" val="1"/>
-              </p:ext>
-            </p:extLst>
-          </p:nvPr>
-        </p:nvSpPr>
-        <p:spPr>
-          <a:xfrm>
-            <a:off x="0" y="4"/>
-            <a:ext cx="32399287" cy="10008985"/>
-          </a:xfrm>
-          <a:prstGeom prst="rect">
-            <a:avLst/>
-          </a:prstGeom>
-          <a:solidFill>
-            <a:srgbClr val="3B4D5B"/>
-          </a:solidFill>
-          <a:ln>
-            <a:noFill/>
-          </a:ln>
-        </p:spPr>
-        <p:style>
-          <a:lnRef idx="2">
-            <a:schemeClr val="accent1">
-              <a:shade val="50000"/>
-            </a:schemeClr>
-          </a:lnRef>
-          <a:fillRef idx="1">
-            <a:schemeClr val="accent1"/>
-          </a:fillRef>
-          <a:effectRef idx="0">
-            <a:schemeClr val="accent1"/>
-          </a:effectRef>
-          <a:fontRef idx="minor">
-            <a:schemeClr val="lt1"/>
-          </a:fontRef>
-        </p:style>
-        <p:txBody>
-          <a:bodyPr rtlCol="0" anchor="ctr"/>
-          <a:lstStyle/>
-          <a:p>
-            <a:pPr algn="ctr"/>
-            <a:endParaRPr lang="en-US" sz="1013"/>
-          </a:p>
-        </p:txBody>
-      </p:sp>
-      <p:sp>
-        <p:nvSpPr>
-          <p:cNvPr id="2" name="Título 1">
-            <a:extLst>
-              <a:ext uri="{FF2B5EF4-FFF2-40B4-BE49-F238E27FC236}">
-                <a16:creationId xmlns:a16="http://schemas.microsoft.com/office/drawing/2014/main" id="{B6F5EF34-AE25-8A2D-192C-AB7A26129D18}"/>
-              </a:ext>
-            </a:extLst>
-          </p:cNvPr>
-          <p:cNvSpPr>
-            <a:spLocks noGrp="1"/>
-          </p:cNvSpPr>
-          <p:nvPr>
-            <p:ph type="title"/>
-          </p:nvPr>
-        </p:nvSpPr>
-        <p:spPr>
-          <a:xfrm>
-            <a:off x="9190522" y="3849671"/>
-            <a:ext cx="14018238" cy="12318636"/>
-          </a:xfrm>
-          <a:prstGeom prst="ellipse">
-            <a:avLst/>
-          </a:prstGeom>
-          <a:solidFill>
-            <a:srgbClr val="262626"/>
-          </a:solidFill>
-          <a:ln w="174625" cmpd="thinThick">
-            <a:solidFill>
-              <a:srgbClr val="262626"/>
-            </a:solidFill>
-          </a:ln>
-        </p:spPr>
-        <p:txBody>
-          <a:bodyPr vert="horz" lIns="91440" tIns="45720" rIns="91440" bIns="45720" rtlCol="0" anchor="ctr">
-            <a:normAutofit/>
-          </a:bodyPr>
-          <a:lstStyle/>
-          <a:p>
-            <a:pPr algn="ctr" defTabSz="685800"/>
-            <a:r>
-              <a:rPr lang="en-US" sz="11400" b="1">
-                <a:solidFill>
-                  <a:srgbClr val="FFFFFF"/>
-                </a:solidFill>
-              </a:rPr>
-              <a:t>INFOGRÁFICO</a:t>
-            </a:r>
-          </a:p>
-        </p:txBody>
-      </p:sp>
-      <p:pic>
-        <p:nvPicPr>
-          <p:cNvPr id="5" name="Imagem 4" descr="Interface gráfica do usuário, Texto, Aplicativo&#10;&#10;Descrição gerada automaticamente">
-            <a:extLst>
-              <a:ext uri="{FF2B5EF4-FFF2-40B4-BE49-F238E27FC236}">
-                <a16:creationId xmlns:a16="http://schemas.microsoft.com/office/drawing/2014/main" id="{37B0275F-F6B6-700E-3FB6-284C203D64EB}"/>
-              </a:ext>
-            </a:extLst>
-          </p:cNvPr>
-          <p:cNvPicPr>
-            <a:picLocks noChangeAspect="1"/>
-          </p:cNvPicPr>
-          <p:nvPr/>
-        </p:nvPicPr>
-        <p:blipFill>
-          <a:blip r:embed="rId2">
-            <a:extLst>
-              <a:ext uri="{28A0092B-C50C-407E-A947-70E740481C1C}">
-                <a14:useLocalDpi xmlns:a14="http://schemas.microsoft.com/office/drawing/2010/main" val="0"/>
-              </a:ext>
-            </a:extLst>
-          </a:blip>
-          <a:stretch>
-            <a:fillRect/>
-          </a:stretch>
-        </p:blipFill>
-        <p:spPr>
-          <a:xfrm>
-            <a:off x="5737870" y="17720403"/>
-            <a:ext cx="20923537" cy="22843739"/>
-          </a:xfrm>
-          <a:prstGeom prst="rect">
-            <a:avLst/>
-          </a:prstGeom>
-        </p:spPr>
-      </p:pic>
-    </p:spTree>
-    <p:extLst>
-      <p:ext uri="{BB962C8B-B14F-4D97-AF65-F5344CB8AC3E}">
-        <p14:creationId xmlns:p14="http://schemas.microsoft.com/office/powerpoint/2010/main" val="1960900461"/>
-      </p:ext>
-    </p:extLst>
-  </p:cSld>
-  <p:clrMapOvr>
-    <a:masterClrMapping/>
-  </p:clrMapOvr>
-</p:sld>
-</file>
-
-<file path=ppt/slides/slide5.xml><?xml version="1.0" encoding="utf-8"?>
-<p:sld xmlns:a="http://schemas.openxmlformats.org/drawingml/2006/main" xmlns:r="http://schemas.openxmlformats.org/officeDocument/2006/relationships" xmlns:p="http://schemas.openxmlformats.org/presentationml/2006/main">
-  <p:cSld>
-    <p:spTree>
-      <p:nvGrpSpPr>
-        <p:cNvPr id="1" name=""/>
-        <p:cNvGrpSpPr/>
-        <p:nvPr/>
-      </p:nvGrpSpPr>
-      <p:grpSpPr>
-        <a:xfrm>
-          <a:off x="0" y="0"/>
-          <a:ext cx="0" cy="0"/>
-          <a:chOff x="0" y="0"/>
-          <a:chExt cx="0" cy="0"/>
-        </a:xfrm>
-      </p:grpSpPr>
-      <p:sp>
-        <p:nvSpPr>
-          <p:cNvPr id="2" name="Título 1">
-            <a:extLst>
-              <a:ext uri="{FF2B5EF4-FFF2-40B4-BE49-F238E27FC236}">
-                <a16:creationId xmlns:a16="http://schemas.microsoft.com/office/drawing/2014/main" id="{1BE7343E-EDA5-65B7-2A08-4C54D4C0C661}"/>
-              </a:ext>
-            </a:extLst>
-          </p:cNvPr>
-          <p:cNvSpPr>
-            <a:spLocks noGrp="1"/>
-          </p:cNvSpPr>
-          <p:nvPr>
-            <p:ph type="title"/>
-          </p:nvPr>
-        </p:nvSpPr>
-        <p:spPr/>
-        <p:style>
-          <a:lnRef idx="2">
-            <a:schemeClr val="dk1">
-              <a:shade val="50000"/>
-            </a:schemeClr>
-          </a:lnRef>
-          <a:fillRef idx="1">
-            <a:schemeClr val="dk1"/>
-          </a:fillRef>
-          <a:effectRef idx="0">
-            <a:schemeClr val="dk1"/>
-          </a:effectRef>
-          <a:fontRef idx="minor">
-            <a:schemeClr val="lt1"/>
-          </a:fontRef>
-        </p:style>
-        <p:txBody>
-          <a:bodyPr/>
-          <a:lstStyle/>
-          <a:p>
-            <a:pPr algn="ctr"/>
-            <a:r>
-              <a:rPr lang="pt-BR"/>
-              <a:t>MOTIVAÇÃO DO PROJETO</a:t>
-            </a:r>
-          </a:p>
-        </p:txBody>
-      </p:sp>
-      <p:sp>
-        <p:nvSpPr>
-          <p:cNvPr id="3" name="Espaço Reservado para Conteúdo 2">
-            <a:extLst>
-              <a:ext uri="{FF2B5EF4-FFF2-40B4-BE49-F238E27FC236}">
-                <a16:creationId xmlns:a16="http://schemas.microsoft.com/office/drawing/2014/main" id="{11D16307-72E2-9868-EB52-7B857AE9A613}"/>
-              </a:ext>
-            </a:extLst>
-          </p:cNvPr>
-          <p:cNvSpPr>
-            <a:spLocks noGrp="1"/>
-          </p:cNvSpPr>
-          <p:nvPr>
-            <p:ph idx="1"/>
-          </p:nvPr>
-        </p:nvSpPr>
-        <p:spPr>
-          <a:xfrm>
-            <a:off x="2227451" y="13490186"/>
-            <a:ext cx="27944386" cy="27410408"/>
-          </a:xfrm>
-        </p:spPr>
-        <p:style>
-          <a:lnRef idx="2">
-            <a:schemeClr val="dk1">
-              <a:shade val="50000"/>
-            </a:schemeClr>
-          </a:lnRef>
-          <a:fillRef idx="1">
-            <a:schemeClr val="dk1"/>
-          </a:fillRef>
-          <a:effectRef idx="0">
-            <a:schemeClr val="dk1"/>
-          </a:effectRef>
-          <a:fontRef idx="minor">
-            <a:schemeClr val="lt1"/>
-          </a:fontRef>
-        </p:style>
-        <p:txBody>
-          <a:bodyPr/>
-          <a:lstStyle/>
-          <a:p>
-            <a:pPr marL="0" indent="0">
-              <a:lnSpc>
-                <a:spcPct val="107000"/>
-              </a:lnSpc>
-              <a:spcAft>
-                <a:spcPts val="800"/>
-              </a:spcAft>
-              <a:buNone/>
-            </a:pPr>
-            <a:r>
-              <a:rPr lang="pt-BR" sz="8000">
-                <a:latin typeface="Cambria Math" panose="02040503050406030204" pitchFamily="18" charset="0"/>
-                <a:ea typeface="Cambria Math" panose="02040503050406030204" pitchFamily="18" charset="0"/>
-              </a:rPr>
-              <a:t>Ao longo do projeto foram analisamos inúmeros assuntos da base de dados de segurança pública, como </a:t>
-            </a:r>
-            <a:r>
-              <a:rPr lang="pt-BR" sz="8000">
-                <a:effectLst/>
-                <a:latin typeface="Cambria Math" panose="02040503050406030204" pitchFamily="18" charset="0"/>
-                <a:ea typeface="Cambria Math" panose="02040503050406030204" pitchFamily="18" charset="0"/>
-                <a:cs typeface="Times New Roman" panose="02020603050405020304" pitchFamily="18" charset="0"/>
-              </a:rPr>
-              <a:t>feminicídio e desaparecimento.</a:t>
-            </a:r>
-          </a:p>
-          <a:p>
-            <a:pPr marL="0" indent="0">
-              <a:lnSpc>
-                <a:spcPct val="107000"/>
-              </a:lnSpc>
-              <a:spcAft>
-                <a:spcPts val="800"/>
-              </a:spcAft>
-              <a:buNone/>
-            </a:pPr>
-            <a:r>
-              <a:rPr lang="pt-BR" sz="8000">
-                <a:latin typeface="Cambria Math" panose="02040503050406030204" pitchFamily="18" charset="0"/>
-                <a:ea typeface="Cambria Math" panose="02040503050406030204" pitchFamily="18" charset="0"/>
-              </a:rPr>
-              <a:t>No entanto, o tema para o projeto será sobre mortes violentas intencionais – MVI, devido a taxa de evolução na redução de mortalidade ao longos dos anos.</a:t>
-            </a:r>
-          </a:p>
-          <a:p>
-            <a:endParaRPr lang="pt-BR"/>
-          </a:p>
-        </p:txBody>
-      </p:sp>
-      <p:pic>
-        <p:nvPicPr>
-          <p:cNvPr id="6" name="Imagem 5" descr="Gráfico, Gráfico de linhas&#10;&#10;Descrição gerada automaticamente">
-            <a:extLst>
-              <a:ext uri="{FF2B5EF4-FFF2-40B4-BE49-F238E27FC236}">
-                <a16:creationId xmlns:a16="http://schemas.microsoft.com/office/drawing/2014/main" id="{92B5E96A-813A-72C3-EFB6-F43C67FF6EEB}"/>
-              </a:ext>
-            </a:extLst>
-          </p:cNvPr>
-          <p:cNvPicPr>
-            <a:picLocks noChangeAspect="1"/>
-          </p:cNvPicPr>
-          <p:nvPr/>
-        </p:nvPicPr>
-        <p:blipFill>
-          <a:blip r:embed="rId2">
-            <a:extLst>
-              <a:ext uri="{28A0092B-C50C-407E-A947-70E740481C1C}">
-                <a14:useLocalDpi xmlns:a14="http://schemas.microsoft.com/office/drawing/2010/main" val="0"/>
-              </a:ext>
-            </a:extLst>
-          </a:blip>
-          <a:stretch>
-            <a:fillRect/>
-          </a:stretch>
-        </p:blipFill>
-        <p:spPr>
-          <a:xfrm>
-            <a:off x="2227450" y="22239332"/>
-            <a:ext cx="27944386" cy="18661262"/>
-          </a:xfrm>
-          <a:prstGeom prst="rect">
-            <a:avLst/>
-          </a:prstGeom>
-        </p:spPr>
-      </p:pic>
-    </p:spTree>
-    <p:extLst>
-      <p:ext uri="{BB962C8B-B14F-4D97-AF65-F5344CB8AC3E}">
-        <p14:creationId xmlns:p14="http://schemas.microsoft.com/office/powerpoint/2010/main" val="269960616"/>
-      </p:ext>
-    </p:extLst>
-  </p:cSld>
-  <p:clrMapOvr>
-    <a:masterClrMapping/>
-  </p:clrMapOvr>
-</p:sld>
-</file>
-
-<file path=ppt/slides/slide6.xml><?xml version="1.0" encoding="utf-8"?>
-<p:sld xmlns:a="http://schemas.openxmlformats.org/drawingml/2006/main" xmlns:r="http://schemas.openxmlformats.org/officeDocument/2006/relationships" xmlns:p="http://schemas.openxmlformats.org/presentationml/2006/main">
-  <p:cSld>
-    <p:spTree>
-      <p:nvGrpSpPr>
-        <p:cNvPr id="1" name=""/>
-        <p:cNvGrpSpPr/>
-        <p:nvPr/>
-      </p:nvGrpSpPr>
-      <p:grpSpPr>
-        <a:xfrm>
-          <a:off x="0" y="0"/>
-          <a:ext cx="0" cy="0"/>
-          <a:chOff x="0" y="0"/>
-          <a:chExt cx="0" cy="0"/>
-        </a:xfrm>
-      </p:grpSpPr>
-      <p:sp>
-        <p:nvSpPr>
-          <p:cNvPr id="2" name="Título 1">
-            <a:extLst>
-              <a:ext uri="{FF2B5EF4-FFF2-40B4-BE49-F238E27FC236}">
-                <a16:creationId xmlns:a16="http://schemas.microsoft.com/office/drawing/2014/main" id="{3C39F6DF-4407-CFA8-7AC1-C7950E6AF801}"/>
-              </a:ext>
-            </a:extLst>
-          </p:cNvPr>
-          <p:cNvSpPr>
-            <a:spLocks noGrp="1"/>
-          </p:cNvSpPr>
-          <p:nvPr>
-            <p:ph type="title"/>
-          </p:nvPr>
-        </p:nvSpPr>
-        <p:spPr/>
-        <p:style>
-          <a:lnRef idx="2">
-            <a:schemeClr val="dk1">
-              <a:shade val="50000"/>
-            </a:schemeClr>
-          </a:lnRef>
-          <a:fillRef idx="1">
-            <a:schemeClr val="dk1"/>
-          </a:fillRef>
-          <a:effectRef idx="0">
-            <a:schemeClr val="dk1"/>
-          </a:effectRef>
-          <a:fontRef idx="minor">
-            <a:schemeClr val="lt1"/>
-          </a:fontRef>
-        </p:style>
-        <p:txBody>
-          <a:bodyPr/>
-          <a:lstStyle/>
-          <a:p>
-            <a:pPr algn="ctr"/>
-            <a:r>
-              <a:rPr lang="pt-BR" b="1"/>
-              <a:t>Complexidade para entender o motivo da redução</a:t>
-            </a:r>
-          </a:p>
-        </p:txBody>
-      </p:sp>
-      <p:pic>
-        <p:nvPicPr>
-          <p:cNvPr id="5" name="Espaço Reservado para Conteúdo 4">
-            <a:extLst>
-              <a:ext uri="{FF2B5EF4-FFF2-40B4-BE49-F238E27FC236}">
-                <a16:creationId xmlns:a16="http://schemas.microsoft.com/office/drawing/2014/main" id="{0E1A2826-2B51-A429-A349-0059CE36AE75}"/>
-              </a:ext>
-            </a:extLst>
-          </p:cNvPr>
-          <p:cNvPicPr>
-            <a:picLocks noGrp="1" noChangeAspect="1"/>
-          </p:cNvPicPr>
-          <p:nvPr>
-            <p:ph idx="1"/>
-          </p:nvPr>
-        </p:nvPicPr>
-        <p:blipFill>
-          <a:blip r:embed="rId2"/>
-          <a:stretch>
-            <a:fillRect/>
-          </a:stretch>
-        </p:blipFill>
-        <p:spPr>
-          <a:xfrm>
-            <a:off x="1295401" y="11811000"/>
-            <a:ext cx="28876436" cy="17145000"/>
-          </a:xfrm>
-        </p:spPr>
-      </p:pic>
-      <p:sp>
-        <p:nvSpPr>
-          <p:cNvPr id="7" name="CaixaDeTexto 6">
-            <a:extLst>
-              <a:ext uri="{FF2B5EF4-FFF2-40B4-BE49-F238E27FC236}">
-                <a16:creationId xmlns:a16="http://schemas.microsoft.com/office/drawing/2014/main" id="{7B113CE9-A061-5DB8-AA18-D00E03E5EAEC}"/>
-              </a:ext>
-            </a:extLst>
-          </p:cNvPr>
-          <p:cNvSpPr txBox="1"/>
-          <p:nvPr/>
-        </p:nvSpPr>
-        <p:spPr>
-          <a:xfrm>
-            <a:off x="2227451" y="29943606"/>
-            <a:ext cx="26233249" cy="11612666"/>
-          </a:xfrm>
-          <a:prstGeom prst="rect">
-            <a:avLst/>
-          </a:prstGeom>
-        </p:spPr>
-        <p:style>
-          <a:lnRef idx="2">
-            <a:schemeClr val="dk1">
-              <a:shade val="50000"/>
-            </a:schemeClr>
-          </a:lnRef>
-          <a:fillRef idx="1">
-            <a:schemeClr val="dk1"/>
-          </a:fillRef>
-          <a:effectRef idx="0">
-            <a:schemeClr val="dk1"/>
-          </a:effectRef>
-          <a:fontRef idx="minor">
-            <a:schemeClr val="lt1"/>
-          </a:fontRef>
-        </p:style>
-        <p:txBody>
-          <a:bodyPr wrap="square">
-            <a:spAutoFit/>
-          </a:bodyPr>
-          <a:lstStyle/>
-          <a:p>
-            <a:pPr>
-              <a:lnSpc>
-                <a:spcPct val="107000"/>
-              </a:lnSpc>
-              <a:spcAft>
-                <a:spcPts val="800"/>
-              </a:spcAft>
-            </a:pPr>
-            <a:r>
-              <a:rPr lang="pt-BR" sz="4800" b="1" dirty="0">
-                <a:effectLst/>
-                <a:latin typeface="Arial" panose="020B0604020202020204" pitchFamily="34" charset="0"/>
-                <a:ea typeface="Times New Roman" panose="02020603050405020304" pitchFamily="18" charset="0"/>
-                <a:cs typeface="Arial" panose="020B0604020202020204" pitchFamily="34" charset="0"/>
-              </a:rPr>
-              <a:t>No ano de 2020, o Brasil teve o pior índice do mundo a cada 100 mil habitantes, conforme a tabela acima. </a:t>
-            </a:r>
-            <a:endParaRPr lang="pt-BR" sz="4800" dirty="0">
-              <a:effectLst/>
-              <a:latin typeface="Arial" panose="020B0604020202020204" pitchFamily="34" charset="0"/>
-              <a:ea typeface="Times New Roman" panose="02020603050405020304" pitchFamily="18" charset="0"/>
-              <a:cs typeface="Arial" panose="020B0604020202020204" pitchFamily="34" charset="0"/>
-            </a:endParaRPr>
-          </a:p>
-          <a:p>
-            <a:pPr>
-              <a:lnSpc>
-                <a:spcPct val="107000"/>
-              </a:lnSpc>
-              <a:spcAft>
-                <a:spcPts val="800"/>
-              </a:spcAft>
-            </a:pPr>
-            <a:r>
-              <a:rPr lang="pt-BR" sz="4800" b="1" dirty="0">
-                <a:effectLst/>
-                <a:latin typeface="Arial" panose="020B0604020202020204" pitchFamily="34" charset="0"/>
-                <a:ea typeface="Times New Roman" panose="02020603050405020304" pitchFamily="18" charset="0"/>
-                <a:cs typeface="Arial" panose="020B0604020202020204" pitchFamily="34" charset="0"/>
-              </a:rPr>
-              <a:t>Para entender a complexidade exige que diversos fatores, como instituições e esferas de poder sejam consideradas na análise sobre tendências da violência e da segurança pública.</a:t>
-            </a:r>
-          </a:p>
-          <a:p>
-            <a:pPr>
-              <a:lnSpc>
-                <a:spcPct val="107000"/>
-              </a:lnSpc>
-              <a:spcAft>
-                <a:spcPts val="800"/>
-              </a:spcAft>
-            </a:pPr>
-            <a:endParaRPr lang="pt-BR" sz="4800" dirty="0">
-              <a:effectLst/>
-              <a:latin typeface="Arial" panose="020B0604020202020204" pitchFamily="34" charset="0"/>
-              <a:ea typeface="Times New Roman" panose="02020603050405020304" pitchFamily="18" charset="0"/>
-              <a:cs typeface="Arial" panose="020B0604020202020204" pitchFamily="34" charset="0"/>
-            </a:endParaRPr>
-          </a:p>
-          <a:p>
-            <a:pPr>
-              <a:lnSpc>
-                <a:spcPct val="107000"/>
-              </a:lnSpc>
-              <a:spcAft>
-                <a:spcPts val="800"/>
-              </a:spcAft>
-            </a:pPr>
-            <a:r>
-              <a:rPr lang="pt-BR" sz="4800" b="1" dirty="0">
-                <a:effectLst/>
-                <a:latin typeface="Arial" panose="020B0604020202020204" pitchFamily="34" charset="0"/>
-                <a:ea typeface="Times New Roman" panose="02020603050405020304" pitchFamily="18" charset="0"/>
-                <a:cs typeface="Arial" panose="020B0604020202020204" pitchFamily="34" charset="0"/>
-              </a:rPr>
-              <a:t>Na Alemanha – Nação federada como o brasil, a taxa de homicídios para cada 100 mil habitantes foi de 0,93.</a:t>
-            </a:r>
-          </a:p>
-          <a:p>
-            <a:pPr>
-              <a:lnSpc>
-                <a:spcPct val="107000"/>
-              </a:lnSpc>
-              <a:spcAft>
-                <a:spcPts val="800"/>
-              </a:spcAft>
-            </a:pPr>
-            <a:endParaRPr lang="pt-BR" sz="4800" dirty="0">
-              <a:effectLst/>
-              <a:latin typeface="Arial" panose="020B0604020202020204" pitchFamily="34" charset="0"/>
-              <a:ea typeface="Times New Roman" panose="02020603050405020304" pitchFamily="18" charset="0"/>
-              <a:cs typeface="Arial" panose="020B0604020202020204" pitchFamily="34" charset="0"/>
-            </a:endParaRPr>
-          </a:p>
-          <a:p>
-            <a:pPr>
-              <a:lnSpc>
-                <a:spcPct val="107000"/>
-              </a:lnSpc>
-              <a:spcAft>
-                <a:spcPts val="800"/>
-              </a:spcAft>
-            </a:pPr>
-            <a:r>
-              <a:rPr lang="pt-BR" sz="4800" b="1" dirty="0">
-                <a:effectLst/>
-                <a:latin typeface="Arial" panose="020B0604020202020204" pitchFamily="34" charset="0"/>
-                <a:ea typeface="Times New Roman" panose="02020603050405020304" pitchFamily="18" charset="0"/>
-                <a:cs typeface="Arial" panose="020B0604020202020204" pitchFamily="34" charset="0"/>
-              </a:rPr>
-              <a:t>Fica evidente, que a diferença é feita pela capacidade de coordenação e articulação das respostas públicas ante o medo, a insegurança, o crime e à violência.</a:t>
-            </a:r>
-            <a:br>
-              <a:rPr lang="pt-BR" sz="4800" b="1" dirty="0">
-                <a:effectLst/>
-                <a:latin typeface="Arial" panose="020B0604020202020204" pitchFamily="34" charset="0"/>
-                <a:ea typeface="Times New Roman" panose="02020603050405020304" pitchFamily="18" charset="0"/>
-                <a:cs typeface="Arial" panose="020B0604020202020204" pitchFamily="34" charset="0"/>
-              </a:rPr>
-            </a:br>
-            <a:r>
-              <a:rPr lang="pt-BR" sz="4800" b="1" dirty="0">
-                <a:effectLst/>
-                <a:latin typeface="Arial" panose="020B0604020202020204" pitchFamily="34" charset="0"/>
-                <a:ea typeface="Times New Roman" panose="02020603050405020304" pitchFamily="18" charset="0"/>
-                <a:cs typeface="Arial" panose="020B0604020202020204" pitchFamily="34" charset="0"/>
-              </a:rPr>
-              <a:t>No Brasil mais especificamente, temos 86 corporações policiais atuando</a:t>
-            </a:r>
-            <a:br>
-              <a:rPr lang="pt-BR" sz="4800" b="1" dirty="0">
-                <a:effectLst/>
-                <a:latin typeface="Arial" panose="020B0604020202020204" pitchFamily="34" charset="0"/>
-                <a:ea typeface="Times New Roman" panose="02020603050405020304" pitchFamily="18" charset="0"/>
-                <a:cs typeface="Arial" panose="020B0604020202020204" pitchFamily="34" charset="0"/>
-              </a:rPr>
-            </a:br>
-            <a:r>
-              <a:rPr lang="pt-BR" sz="4800" b="1" dirty="0">
-                <a:effectLst/>
-                <a:latin typeface="Arial" panose="020B0604020202020204" pitchFamily="34" charset="0"/>
-                <a:ea typeface="Times New Roman" panose="02020603050405020304" pitchFamily="18" charset="0"/>
-                <a:cs typeface="Arial" panose="020B0604020202020204" pitchFamily="34" charset="0"/>
-              </a:rPr>
-              <a:t>sem maior padronização ou coordenação federal - gerando desorganização perante o combate à criminalidade.</a:t>
-            </a:r>
-            <a:endParaRPr lang="pt-BR" sz="4800" dirty="0">
-              <a:effectLst/>
-              <a:latin typeface="Arial" panose="020B0604020202020204" pitchFamily="34" charset="0"/>
-              <a:ea typeface="Times New Roman" panose="02020603050405020304" pitchFamily="18" charset="0"/>
-              <a:cs typeface="Arial" panose="020B0604020202020204" pitchFamily="34" charset="0"/>
-            </a:endParaRPr>
-          </a:p>
-        </p:txBody>
-      </p:sp>
-    </p:spTree>
-    <p:extLst>
-      <p:ext uri="{BB962C8B-B14F-4D97-AF65-F5344CB8AC3E}">
-        <p14:creationId xmlns:p14="http://schemas.microsoft.com/office/powerpoint/2010/main" val="526636310"/>
       </p:ext>
     </p:extLst>
   </p:cSld>
@@ -10272,16 +9488,302 @@
 </a:theme>
 </file>
 
-<file path=customXml/item1.xml><?xml version="1.0" encoding="utf-8"?>
-<?mso-contentType ?>
-<FormTemplates xmlns="http://schemas.microsoft.com/sharepoint/v3/contenttype/forms">
-  <Display>DocumentLibraryForm</Display>
-  <Edit>DocumentLibraryForm</Edit>
-  <New>DocumentLibraryForm</New>
-</FormTemplates>
+<file path=ppt/theme/theme2.xml><?xml version="1.0" encoding="utf-8"?>
+<a:theme xmlns:a="http://schemas.openxmlformats.org/drawingml/2006/main" name="Tema do Office">
+  <a:themeElements>
+    <a:clrScheme name="Office">
+      <a:dk1>
+        <a:sysClr val="windowText" lastClr="000000"/>
+      </a:dk1>
+      <a:lt1>
+        <a:sysClr val="window" lastClr="FFFFFF"/>
+      </a:lt1>
+      <a:dk2>
+        <a:srgbClr val="44546A"/>
+      </a:dk2>
+      <a:lt2>
+        <a:srgbClr val="E7E6E6"/>
+      </a:lt2>
+      <a:accent1>
+        <a:srgbClr val="4472C4"/>
+      </a:accent1>
+      <a:accent2>
+        <a:srgbClr val="ED7D31"/>
+      </a:accent2>
+      <a:accent3>
+        <a:srgbClr val="A5A5A5"/>
+      </a:accent3>
+      <a:accent4>
+        <a:srgbClr val="FFC000"/>
+      </a:accent4>
+      <a:accent5>
+        <a:srgbClr val="5B9BD5"/>
+      </a:accent5>
+      <a:accent6>
+        <a:srgbClr val="70AD47"/>
+      </a:accent6>
+      <a:hlink>
+        <a:srgbClr val="0563C1"/>
+      </a:hlink>
+      <a:folHlink>
+        <a:srgbClr val="954F72"/>
+      </a:folHlink>
+    </a:clrScheme>
+    <a:fontScheme name="Office">
+      <a:majorFont>
+        <a:latin typeface="Calibri Light" panose="020F0302020204030204"/>
+        <a:ea typeface=""/>
+        <a:cs typeface=""/>
+        <a:font script="Jpan" typeface="游ゴシック Light"/>
+        <a:font script="Hang" typeface="맑은 고딕"/>
+        <a:font script="Hans" typeface="等线 Light"/>
+        <a:font script="Hant" typeface="新細明體"/>
+        <a:font script="Arab" typeface="Times New Roman"/>
+        <a:font script="Hebr" typeface="Times New Roman"/>
+        <a:font script="Thai" typeface="Angsana New"/>
+        <a:font script="Ethi" typeface="Nyala"/>
+        <a:font script="Beng" typeface="Vrinda"/>
+        <a:font script="Gujr" typeface="Shruti"/>
+        <a:font script="Khmr" typeface="MoolBoran"/>
+        <a:font script="Knda" typeface="Tunga"/>
+        <a:font script="Guru" typeface="Raavi"/>
+        <a:font script="Cans" typeface="Euphemia"/>
+        <a:font script="Cher" typeface="Plantagenet Cherokee"/>
+        <a:font script="Yiii" typeface="Microsoft Yi Baiti"/>
+        <a:font script="Tibt" typeface="Microsoft Himalaya"/>
+        <a:font script="Thaa" typeface="MV Boli"/>
+        <a:font script="Deva" typeface="Mangal"/>
+        <a:font script="Telu" typeface="Gautami"/>
+        <a:font script="Taml" typeface="Latha"/>
+        <a:font script="Syrc" typeface="Estrangelo Edessa"/>
+        <a:font script="Orya" typeface="Kalinga"/>
+        <a:font script="Mlym" typeface="Kartika"/>
+        <a:font script="Laoo" typeface="DokChampa"/>
+        <a:font script="Sinh" typeface="Iskoola Pota"/>
+        <a:font script="Mong" typeface="Mongolian Baiti"/>
+        <a:font script="Viet" typeface="Times New Roman"/>
+        <a:font script="Uigh" typeface="Microsoft Uighur"/>
+        <a:font script="Geor" typeface="Sylfaen"/>
+        <a:font script="Armn" typeface="Arial"/>
+        <a:font script="Bugi" typeface="Leelawadee UI"/>
+        <a:font script="Bopo" typeface="Microsoft JhengHei"/>
+        <a:font script="Java" typeface="Javanese Text"/>
+        <a:font script="Lisu" typeface="Segoe UI"/>
+        <a:font script="Mymr" typeface="Myanmar Text"/>
+        <a:font script="Nkoo" typeface="Ebrima"/>
+        <a:font script="Olck" typeface="Nirmala UI"/>
+        <a:font script="Osma" typeface="Ebrima"/>
+        <a:font script="Phag" typeface="Phagspa"/>
+        <a:font script="Syrn" typeface="Estrangelo Edessa"/>
+        <a:font script="Syrj" typeface="Estrangelo Edessa"/>
+        <a:font script="Syre" typeface="Estrangelo Edessa"/>
+        <a:font script="Sora" typeface="Nirmala UI"/>
+        <a:font script="Tale" typeface="Microsoft Tai Le"/>
+        <a:font script="Talu" typeface="Microsoft New Tai Lue"/>
+        <a:font script="Tfng" typeface="Ebrima"/>
+      </a:majorFont>
+      <a:minorFont>
+        <a:latin typeface="Calibri" panose="020F0502020204030204"/>
+        <a:ea typeface=""/>
+        <a:cs typeface=""/>
+        <a:font script="Jpan" typeface="游ゴシック"/>
+        <a:font script="Hang" typeface="맑은 고딕"/>
+        <a:font script="Hans" typeface="等线"/>
+        <a:font script="Hant" typeface="新細明體"/>
+        <a:font script="Arab" typeface="Arial"/>
+        <a:font script="Hebr" typeface="Arial"/>
+        <a:font script="Thai" typeface="Cordia New"/>
+        <a:font script="Ethi" typeface="Nyala"/>
+        <a:font script="Beng" typeface="Vrinda"/>
+        <a:font script="Gujr" typeface="Shruti"/>
+        <a:font script="Khmr" typeface="DaunPenh"/>
+        <a:font script="Knda" typeface="Tunga"/>
+        <a:font script="Guru" typeface="Raavi"/>
+        <a:font script="Cans" typeface="Euphemia"/>
+        <a:font script="Cher" typeface="Plantagenet Cherokee"/>
+        <a:font script="Yiii" typeface="Microsoft Yi Baiti"/>
+        <a:font script="Tibt" typeface="Microsoft Himalaya"/>
+        <a:font script="Thaa" typeface="MV Boli"/>
+        <a:font script="Deva" typeface="Mangal"/>
+        <a:font script="Telu" typeface="Gautami"/>
+        <a:font script="Taml" typeface="Latha"/>
+        <a:font script="Syrc" typeface="Estrangelo Edessa"/>
+        <a:font script="Orya" typeface="Kalinga"/>
+        <a:font script="Mlym" typeface="Kartika"/>
+        <a:font script="Laoo" typeface="DokChampa"/>
+        <a:font script="Sinh" typeface="Iskoola Pota"/>
+        <a:font script="Mong" typeface="Mongolian Baiti"/>
+        <a:font script="Viet" typeface="Arial"/>
+        <a:font script="Uigh" typeface="Microsoft Uighur"/>
+        <a:font script="Geor" typeface="Sylfaen"/>
+        <a:font script="Armn" typeface="Arial"/>
+        <a:font script="Bugi" typeface="Leelawadee UI"/>
+        <a:font script="Bopo" typeface="Microsoft JhengHei"/>
+        <a:font script="Java" typeface="Javanese Text"/>
+        <a:font script="Lisu" typeface="Segoe UI"/>
+        <a:font script="Mymr" typeface="Myanmar Text"/>
+        <a:font script="Nkoo" typeface="Ebrima"/>
+        <a:font script="Olck" typeface="Nirmala UI"/>
+        <a:font script="Osma" typeface="Ebrima"/>
+        <a:font script="Phag" typeface="Phagspa"/>
+        <a:font script="Syrn" typeface="Estrangelo Edessa"/>
+        <a:font script="Syrj" typeface="Estrangelo Edessa"/>
+        <a:font script="Syre" typeface="Estrangelo Edessa"/>
+        <a:font script="Sora" typeface="Nirmala UI"/>
+        <a:font script="Tale" typeface="Microsoft Tai Le"/>
+        <a:font script="Talu" typeface="Microsoft New Tai Lue"/>
+        <a:font script="Tfng" typeface="Ebrima"/>
+      </a:minorFont>
+    </a:fontScheme>
+    <a:fmtScheme name="Office">
+      <a:fillStyleLst>
+        <a:solidFill>
+          <a:schemeClr val="phClr"/>
+        </a:solidFill>
+        <a:gradFill rotWithShape="1">
+          <a:gsLst>
+            <a:gs pos="0">
+              <a:schemeClr val="phClr">
+                <a:lumMod val="110000"/>
+                <a:satMod val="105000"/>
+                <a:tint val="67000"/>
+              </a:schemeClr>
+            </a:gs>
+            <a:gs pos="50000">
+              <a:schemeClr val="phClr">
+                <a:lumMod val="105000"/>
+                <a:satMod val="103000"/>
+                <a:tint val="73000"/>
+              </a:schemeClr>
+            </a:gs>
+            <a:gs pos="100000">
+              <a:schemeClr val="phClr">
+                <a:lumMod val="105000"/>
+                <a:satMod val="109000"/>
+                <a:tint val="81000"/>
+              </a:schemeClr>
+            </a:gs>
+          </a:gsLst>
+          <a:lin ang="5400000" scaled="0"/>
+        </a:gradFill>
+        <a:gradFill rotWithShape="1">
+          <a:gsLst>
+            <a:gs pos="0">
+              <a:schemeClr val="phClr">
+                <a:satMod val="103000"/>
+                <a:lumMod val="102000"/>
+                <a:tint val="94000"/>
+              </a:schemeClr>
+            </a:gs>
+            <a:gs pos="50000">
+              <a:schemeClr val="phClr">
+                <a:satMod val="110000"/>
+                <a:lumMod val="100000"/>
+                <a:shade val="100000"/>
+              </a:schemeClr>
+            </a:gs>
+            <a:gs pos="100000">
+              <a:schemeClr val="phClr">
+                <a:lumMod val="99000"/>
+                <a:satMod val="120000"/>
+                <a:shade val="78000"/>
+              </a:schemeClr>
+            </a:gs>
+          </a:gsLst>
+          <a:lin ang="5400000" scaled="0"/>
+        </a:gradFill>
+      </a:fillStyleLst>
+      <a:lnStyleLst>
+        <a:ln w="6350" cap="flat" cmpd="sng" algn="ctr">
+          <a:solidFill>
+            <a:schemeClr val="phClr"/>
+          </a:solidFill>
+          <a:prstDash val="solid"/>
+          <a:miter lim="800000"/>
+        </a:ln>
+        <a:ln w="12700" cap="flat" cmpd="sng" algn="ctr">
+          <a:solidFill>
+            <a:schemeClr val="phClr"/>
+          </a:solidFill>
+          <a:prstDash val="solid"/>
+          <a:miter lim="800000"/>
+        </a:ln>
+        <a:ln w="19050" cap="flat" cmpd="sng" algn="ctr">
+          <a:solidFill>
+            <a:schemeClr val="phClr"/>
+          </a:solidFill>
+          <a:prstDash val="solid"/>
+          <a:miter lim="800000"/>
+        </a:ln>
+      </a:lnStyleLst>
+      <a:effectStyleLst>
+        <a:effectStyle>
+          <a:effectLst/>
+        </a:effectStyle>
+        <a:effectStyle>
+          <a:effectLst/>
+        </a:effectStyle>
+        <a:effectStyle>
+          <a:effectLst>
+            <a:outerShdw blurRad="57150" dist="19050" dir="5400000" algn="ctr" rotWithShape="0">
+              <a:srgbClr val="000000">
+                <a:alpha val="63000"/>
+              </a:srgbClr>
+            </a:outerShdw>
+          </a:effectLst>
+        </a:effectStyle>
+      </a:effectStyleLst>
+      <a:bgFillStyleLst>
+        <a:solidFill>
+          <a:schemeClr val="phClr"/>
+        </a:solidFill>
+        <a:solidFill>
+          <a:schemeClr val="phClr">
+            <a:tint val="95000"/>
+            <a:satMod val="170000"/>
+          </a:schemeClr>
+        </a:solidFill>
+        <a:gradFill rotWithShape="1">
+          <a:gsLst>
+            <a:gs pos="0">
+              <a:schemeClr val="phClr">
+                <a:tint val="93000"/>
+                <a:satMod val="150000"/>
+                <a:shade val="98000"/>
+                <a:lumMod val="102000"/>
+              </a:schemeClr>
+            </a:gs>
+            <a:gs pos="50000">
+              <a:schemeClr val="phClr">
+                <a:tint val="98000"/>
+                <a:satMod val="130000"/>
+                <a:shade val="90000"/>
+                <a:lumMod val="103000"/>
+              </a:schemeClr>
+            </a:gs>
+            <a:gs pos="100000">
+              <a:schemeClr val="phClr">
+                <a:shade val="63000"/>
+                <a:satMod val="120000"/>
+              </a:schemeClr>
+            </a:gs>
+          </a:gsLst>
+          <a:lin ang="5400000" scaled="0"/>
+        </a:gradFill>
+      </a:bgFillStyleLst>
+    </a:fmtScheme>
+  </a:themeElements>
+  <a:objectDefaults/>
+  <a:extraClrSchemeLst/>
+  <a:extLst>
+    <a:ext uri="{05A4C25C-085E-4340-85A3-A5531E510DB2}">
+      <thm15:themeFamily xmlns:thm15="http://schemas.microsoft.com/office/thememl/2012/main" name="Office Theme" id="{62F939B6-93AF-4DB8-9C6B-D6C7DFDC589F}" vid="{4A3C46E8-61CC-4603-A589-7422A47A8E4A}"/>
+    </a:ext>
+  </a:extLst>
+</a:theme>
 </file>
 
-<file path=customXml/item2.xml><?xml version="1.0" encoding="utf-8"?>
+<file path=customXml/item1.xml><?xml version="1.0" encoding="utf-8"?>
 <ct:contentTypeSchema xmlns:ct="http://schemas.microsoft.com/office/2006/metadata/contentType" xmlns:ma="http://schemas.microsoft.com/office/2006/metadata/properties/metaAttributes" ct:_="" ma:_="" ma:contentTypeName="Document" ma:contentTypeID="0x010100B44E676E030D3742BA3877C7CA66805B" ma:contentTypeVersion="6" ma:contentTypeDescription="Create a new document." ma:contentTypeScope="" ma:versionID="8e3163ecdc5c2a307298642000a7818e">
   <xsd:schema xmlns:xsd="http://www.w3.org/2001/XMLSchema" xmlns:xs="http://www.w3.org/2001/XMLSchema" xmlns:p="http://schemas.microsoft.com/office/2006/metadata/properties" xmlns:ns3="482a0fa5-c659-4f0f-8022-a47d55f103d2" xmlns:ns4="5e9466e6-d0bb-4cb8-8ceb-dcfe26f74a91" targetNamespace="http://schemas.microsoft.com/office/2006/metadata/properties" ma:root="true" ma:fieldsID="5e63bf4548de943f9a01209c626edb49" ns3:_="" ns4:_="">
     <xsd:import namespace="482a0fa5-c659-4f0f-8022-a47d55f103d2"/>
@@ -10458,6 +9960,15 @@
 </ct:contentTypeSchema>
 </file>
 
+<file path=customXml/item2.xml><?xml version="1.0" encoding="utf-8"?>
+<?mso-contentType ?>
+<FormTemplates xmlns="http://schemas.microsoft.com/sharepoint/v3/contenttype/forms">
+  <Display>DocumentLibraryForm</Display>
+  <Edit>DocumentLibraryForm</Edit>
+  <New>DocumentLibraryForm</New>
+</FormTemplates>
+</file>
+
 <file path=customXml/item3.xml><?xml version="1.0" encoding="utf-8"?>
 <p:properties xmlns:p="http://schemas.microsoft.com/office/2006/metadata/properties" xmlns:xsi="http://www.w3.org/2001/XMLSchema-instance" xmlns:pc="http://schemas.microsoft.com/office/infopath/2007/PartnerControls">
   <documentManagement>
@@ -10467,14 +9978,6 @@
 </file>
 
 <file path=customXml/itemProps1.xml><?xml version="1.0" encoding="utf-8"?>
-<ds:datastoreItem xmlns:ds="http://schemas.openxmlformats.org/officeDocument/2006/customXml" ds:itemID="{B3F21BAE-C4C5-403B-AA34-9F2DAB787536}">
-  <ds:schemaRefs>
-    <ds:schemaRef ds:uri="http://schemas.microsoft.com/sharepoint/v3/contenttype/forms"/>
-  </ds:schemaRefs>
-</ds:datastoreItem>
-</file>
-
-<file path=customXml/itemProps2.xml><?xml version="1.0" encoding="utf-8"?>
 <ds:datastoreItem xmlns:ds="http://schemas.openxmlformats.org/officeDocument/2006/customXml" ds:itemID="{F7B8DFE1-26A5-43BC-8ABF-83D2479D0825}">
   <ds:schemaRefs>
     <ds:schemaRef ds:uri="482a0fa5-c659-4f0f-8022-a47d55f103d2"/>
@@ -10493,19 +9996,27 @@
 </ds:datastoreItem>
 </file>
 
+<file path=customXml/itemProps2.xml><?xml version="1.0" encoding="utf-8"?>
+<ds:datastoreItem xmlns:ds="http://schemas.openxmlformats.org/officeDocument/2006/customXml" ds:itemID="{B3F21BAE-C4C5-403B-AA34-9F2DAB787536}">
+  <ds:schemaRefs>
+    <ds:schemaRef ds:uri="http://schemas.microsoft.com/sharepoint/v3/contenttype/forms"/>
+  </ds:schemaRefs>
+</ds:datastoreItem>
+</file>
+
 <file path=customXml/itemProps3.xml><?xml version="1.0" encoding="utf-8"?>
 <ds:datastoreItem xmlns:ds="http://schemas.openxmlformats.org/officeDocument/2006/customXml" ds:itemID="{50FB06A4-E1CE-4635-993B-0DA7F1543017}">
   <ds:schemaRefs>
+    <ds:schemaRef ds:uri="482a0fa5-c659-4f0f-8022-a47d55f103d2"/>
+    <ds:schemaRef ds:uri="http://purl.org/dc/elements/1.1/"/>
+    <ds:schemaRef ds:uri="5e9466e6-d0bb-4cb8-8ceb-dcfe26f74a91"/>
+    <ds:schemaRef ds:uri="http://schemas.microsoft.com/office/2006/metadata/properties"/>
+    <ds:schemaRef ds:uri="http://purl.org/dc/dcmitype/"/>
     <ds:schemaRef ds:uri="http://schemas.microsoft.com/office/2006/documentManagement/types"/>
-    <ds:schemaRef ds:uri="5e9466e6-d0bb-4cb8-8ceb-dcfe26f74a91"/>
+    <ds:schemaRef ds:uri="http://purl.org/dc/terms/"/>
+    <ds:schemaRef ds:uri="http://schemas.microsoft.com/office/infopath/2007/PartnerControls"/>
+    <ds:schemaRef ds:uri="http://schemas.openxmlformats.org/package/2006/metadata/core-properties"/>
     <ds:schemaRef ds:uri="http://www.w3.org/XML/1998/namespace"/>
-    <ds:schemaRef ds:uri="482a0fa5-c659-4f0f-8022-a47d55f103d2"/>
-    <ds:schemaRef ds:uri="http://purl.org/dc/terms/"/>
-    <ds:schemaRef ds:uri="http://purl.org/dc/elements/1.1/"/>
-    <ds:schemaRef ds:uri="http://schemas.openxmlformats.org/package/2006/metadata/core-properties"/>
-    <ds:schemaRef ds:uri="http://purl.org/dc/dcmitype/"/>
-    <ds:schemaRef ds:uri="http://schemas.microsoft.com/office/infopath/2007/PartnerControls"/>
-    <ds:schemaRef ds:uri="http://schemas.microsoft.com/office/2006/metadata/properties"/>
   </ds:schemaRefs>
 </ds:datastoreItem>
 </file>